--- a/spring12/slidesS12/arithmetic-sums.pptx
+++ b/spring12/slidesS12/arithmetic-sums.pptx
@@ -5,25 +5,26 @@
     <p:sldMasterId id="2147483648" r:id="rId1"/>
   </p:sldMasterIdLst>
   <p:notesMasterIdLst>
-    <p:notesMasterId r:id="rId10"/>
+    <p:notesMasterId r:id="rId11"/>
   </p:notesMasterIdLst>
   <p:handoutMasterIdLst>
-    <p:handoutMasterId r:id="rId11"/>
+    <p:handoutMasterId r:id="rId12"/>
   </p:handoutMasterIdLst>
   <p:sldIdLst>
     <p:sldId id="361" r:id="rId2"/>
-    <p:sldId id="257" r:id="rId3"/>
-    <p:sldId id="258" r:id="rId4"/>
+    <p:sldId id="258" r:id="rId3"/>
+    <p:sldId id="257" r:id="rId4"/>
     <p:sldId id="259" r:id="rId5"/>
-    <p:sldId id="362" r:id="rId6"/>
-    <p:sldId id="340" r:id="rId7"/>
-    <p:sldId id="341" r:id="rId8"/>
-    <p:sldId id="308" r:id="rId9"/>
+    <p:sldId id="340" r:id="rId6"/>
+    <p:sldId id="341" r:id="rId7"/>
+    <p:sldId id="362" r:id="rId8"/>
+    <p:sldId id="363" r:id="rId9"/>
+    <p:sldId id="308" r:id="rId10"/>
   </p:sldIdLst>
   <p:sldSz cx="9144000" cy="6858000" type="screen4x3"/>
-  <p:notesSz cx="7315200" cy="9601200"/>
+  <p:notesSz cx="9601200" cy="7315200"/>
   <p:custDataLst>
-    <p:tags r:id="rId13"/>
+    <p:tags r:id="rId14"/>
   </p:custDataLst>
   <p:defaultTextStyle>
     <a:defPPr>
@@ -191,7 +192,7 @@
         <p:spPr bwMode="auto">
           <a:xfrm>
             <a:off x="0" y="0"/>
-            <a:ext cx="3168650" cy="479425"/>
+            <a:ext cx="4158853" cy="365276"/>
           </a:xfrm>
           <a:prstGeom prst="rect">
             <a:avLst/>
@@ -263,8 +264,8 @@
         </p:nvSpPr>
         <p:spPr bwMode="auto">
           <a:xfrm>
-            <a:off x="4146550" y="0"/>
-            <a:ext cx="3168650" cy="479425"/>
+            <a:off x="5442347" y="0"/>
+            <a:ext cx="4158853" cy="365276"/>
           </a:xfrm>
           <a:prstGeom prst="rect">
             <a:avLst/>
@@ -336,8 +337,8 @@
         </p:nvSpPr>
         <p:spPr bwMode="auto">
           <a:xfrm>
-            <a:off x="0" y="9121775"/>
-            <a:ext cx="3168650" cy="479425"/>
+            <a:off x="0" y="6949924"/>
+            <a:ext cx="4158853" cy="365276"/>
           </a:xfrm>
           <a:prstGeom prst="rect">
             <a:avLst/>
@@ -409,8 +410,8 @@
         </p:nvSpPr>
         <p:spPr bwMode="auto">
           <a:xfrm>
-            <a:off x="4146550" y="9121775"/>
-            <a:ext cx="3168650" cy="479425"/>
+            <a:off x="5442347" y="6949924"/>
+            <a:ext cx="4158853" cy="365276"/>
           </a:xfrm>
           <a:prstGeom prst="rect">
             <a:avLst/>
@@ -524,7 +525,7 @@
         <p:spPr bwMode="auto">
           <a:xfrm>
             <a:off x="0" y="0"/>
-            <a:ext cx="3170238" cy="479425"/>
+            <a:ext cx="4160937" cy="365276"/>
           </a:xfrm>
           <a:prstGeom prst="rect">
             <a:avLst/>
@@ -596,8 +597,8 @@
         </p:nvSpPr>
         <p:spPr bwMode="auto">
           <a:xfrm>
-            <a:off x="4143375" y="0"/>
-            <a:ext cx="3170238" cy="479425"/>
+            <a:off x="5438180" y="0"/>
+            <a:ext cx="4160937" cy="365276"/>
           </a:xfrm>
           <a:prstGeom prst="rect">
             <a:avLst/>
@@ -669,8 +670,8 @@
         </p:nvSpPr>
         <p:spPr bwMode="auto">
           <a:xfrm>
-            <a:off x="1257300" y="720725"/>
-            <a:ext cx="4800600" cy="3600450"/>
+            <a:off x="2971800" y="549275"/>
+            <a:ext cx="3657600" cy="2743200"/>
           </a:xfrm>
           <a:prstGeom prst="rect">
             <a:avLst/>
@@ -715,8 +716,8 @@
         </p:nvSpPr>
         <p:spPr bwMode="auto">
           <a:xfrm>
-            <a:off x="731838" y="4560888"/>
-            <a:ext cx="5851525" cy="4319587"/>
+            <a:off x="960538" y="3474963"/>
+            <a:ext cx="7680127" cy="3291114"/>
           </a:xfrm>
           <a:prstGeom prst="rect">
             <a:avLst/>
@@ -816,8 +817,8 @@
         </p:nvSpPr>
         <p:spPr bwMode="auto">
           <a:xfrm>
-            <a:off x="0" y="9120188"/>
-            <a:ext cx="3170238" cy="479425"/>
+            <a:off x="0" y="6948715"/>
+            <a:ext cx="4160937" cy="365276"/>
           </a:xfrm>
           <a:prstGeom prst="rect">
             <a:avLst/>
@@ -889,8 +890,8 @@
         </p:nvSpPr>
         <p:spPr bwMode="auto">
           <a:xfrm>
-            <a:off x="4143375" y="9120188"/>
-            <a:ext cx="3170238" cy="479425"/>
+            <a:off x="5438180" y="6948715"/>
+            <a:ext cx="4160937" cy="365276"/>
           </a:xfrm>
           <a:prstGeom prst="rect">
             <a:avLst/>
@@ -1211,7 +1212,7 @@
           <a:bodyPr/>
           <a:lstStyle/>
           <a:p>
-            <a:fld id="{595C7F8B-1DDD-7C4F-B997-F3B9DFEE2A92}" type="slidenum">
+            <a:fld id="{E27F3EFE-0ED4-3D42-9A16-24387988035E}" type="slidenum">
               <a:rPr lang="en-US"/>
               <a:pPr/>
               <a:t>2</a:t>
@@ -1222,7 +1223,7 @@
       </p:sp>
       <p:sp>
         <p:nvSpPr>
-          <p:cNvPr id="139266" name="Rectangle 2"/>
+          <p:cNvPr id="140290" name="Rectangle 2"/>
           <p:cNvSpPr>
             <a:spLocks noGrp="1" noRot="1" noChangeAspect="1" noChangeArrowheads="1" noTextEdit="1"/>
           </p:cNvSpPr>
@@ -1241,7 +1242,7 @@
       </p:sp>
       <p:sp>
         <p:nvSpPr>
-          <p:cNvPr id="139267" name="Rectangle 3"/>
+          <p:cNvPr id="140291" name="Rectangle 3"/>
           <p:cNvSpPr>
             <a:spLocks noGrp="1" noChangeArrowheads="1"/>
           </p:cNvSpPr>
@@ -1300,7 +1301,7 @@
           <a:bodyPr/>
           <a:lstStyle/>
           <a:p>
-            <a:fld id="{E27F3EFE-0ED4-3D42-9A16-24387988035E}" type="slidenum">
+            <a:fld id="{595C7F8B-1DDD-7C4F-B997-F3B9DFEE2A92}" type="slidenum">
               <a:rPr lang="en-US"/>
               <a:pPr/>
               <a:t>3</a:t>
@@ -1311,7 +1312,7 @@
       </p:sp>
       <p:sp>
         <p:nvSpPr>
-          <p:cNvPr id="140290" name="Rectangle 2"/>
+          <p:cNvPr id="139266" name="Rectangle 2"/>
           <p:cNvSpPr>
             <a:spLocks noGrp="1" noRot="1" noChangeAspect="1" noChangeArrowheads="1" noTextEdit="1"/>
           </p:cNvSpPr>
@@ -1330,7 +1331,7 @@
       </p:sp>
       <p:sp>
         <p:nvSpPr>
-          <p:cNvPr id="140291" name="Rectangle 3"/>
+          <p:cNvPr id="139267" name="Rectangle 3"/>
           <p:cNvSpPr>
             <a:spLocks noGrp="1" noChangeArrowheads="1"/>
           </p:cNvSpPr>
@@ -1478,7 +1479,7 @@
           <a:bodyPr/>
           <a:lstStyle/>
           <a:p>
-            <a:fld id="{E27F3EFE-0ED4-3D42-9A16-24387988035E}" type="slidenum">
+            <a:fld id="{D2C4BDA8-192D-6449-A809-DF02AE6031A8}" type="slidenum">
               <a:rPr lang="en-US"/>
               <a:pPr/>
               <a:t>5</a:t>
@@ -1489,7 +1490,7 @@
       </p:sp>
       <p:sp>
         <p:nvSpPr>
-          <p:cNvPr id="140290" name="Rectangle 2"/>
+          <p:cNvPr id="142338" name="Rectangle 2"/>
           <p:cNvSpPr>
             <a:spLocks noGrp="1" noRot="1" noChangeAspect="1" noChangeArrowheads="1" noTextEdit="1"/>
           </p:cNvSpPr>
@@ -1508,7 +1509,7 @@
       </p:sp>
       <p:sp>
         <p:nvSpPr>
-          <p:cNvPr id="140291" name="Rectangle 3"/>
+          <p:cNvPr id="142339" name="Rectangle 3"/>
           <p:cNvSpPr>
             <a:spLocks noGrp="1" noChangeArrowheads="1"/>
           </p:cNvSpPr>
@@ -1567,7 +1568,7 @@
           <a:bodyPr/>
           <a:lstStyle/>
           <a:p>
-            <a:fld id="{D2C4BDA8-192D-6449-A809-DF02AE6031A8}" type="slidenum">
+            <a:fld id="{6D77F1B5-3542-0A4D-B131-D5B971354064}" type="slidenum">
               <a:rPr lang="en-US"/>
               <a:pPr/>
               <a:t>6</a:t>
@@ -1578,7 +1579,7 @@
       </p:sp>
       <p:sp>
         <p:nvSpPr>
-          <p:cNvPr id="142338" name="Rectangle 2"/>
+          <p:cNvPr id="143362" name="Rectangle 2"/>
           <p:cNvSpPr>
             <a:spLocks noGrp="1" noRot="1" noChangeAspect="1" noChangeArrowheads="1" noTextEdit="1"/>
           </p:cNvSpPr>
@@ -1597,7 +1598,7 @@
       </p:sp>
       <p:sp>
         <p:nvSpPr>
-          <p:cNvPr id="142339" name="Rectangle 3"/>
+          <p:cNvPr id="143363" name="Rectangle 3"/>
           <p:cNvSpPr>
             <a:spLocks noGrp="1" noChangeArrowheads="1"/>
           </p:cNvSpPr>
@@ -1656,7 +1657,7 @@
           <a:bodyPr/>
           <a:lstStyle/>
           <a:p>
-            <a:fld id="{6D77F1B5-3542-0A4D-B131-D5B971354064}" type="slidenum">
+            <a:fld id="{E27F3EFE-0ED4-3D42-9A16-24387988035E}" type="slidenum">
               <a:rPr lang="en-US"/>
               <a:pPr/>
               <a:t>7</a:t>
@@ -1667,7 +1668,7 @@
       </p:sp>
       <p:sp>
         <p:nvSpPr>
-          <p:cNvPr id="143362" name="Rectangle 2"/>
+          <p:cNvPr id="140290" name="Rectangle 2"/>
           <p:cNvSpPr>
             <a:spLocks noGrp="1" noRot="1" noChangeAspect="1" noChangeArrowheads="1" noTextEdit="1"/>
           </p:cNvSpPr>
@@ -1686,7 +1687,7 @@
       </p:sp>
       <p:sp>
         <p:nvSpPr>
-          <p:cNvPr id="143363" name="Rectangle 3"/>
+          <p:cNvPr id="140291" name="Rectangle 3"/>
           <p:cNvSpPr>
             <a:spLocks noGrp="1" noChangeArrowheads="1"/>
           </p:cNvSpPr>
@@ -1748,7 +1749,7 @@
             <a:fld id="{93C81DC8-1251-A04D-9633-B2ABACAEF91D}" type="slidenum">
               <a:rPr lang="en-US"/>
               <a:pPr/>
-              <a:t>8</a:t>
+              <a:t>9</a:t>
             </a:fld>
             <a:endParaRPr lang="en-US"/>
           </a:p>
@@ -2262,11 +2263,7 @@
           <a:p>
             <a:r>
               <a:rPr lang="en-US" dirty="0" smtClean="0"/>
-              <a:t>Click to edit Master </a:t>
-            </a:r>
-            <a:r>
-              <a:rPr lang="en-US" dirty="0" smtClean="0"/>
-              <a:t>title</a:t>
+              <a:t>Click to edit Master title</a:t>
             </a:r>
             <a:endParaRPr lang="en-US" dirty="0"/>
           </a:p>
@@ -3662,6 +3659,199 @@
       </p:grpSpPr>
       <p:sp>
         <p:nvSpPr>
+          <p:cNvPr id="4098" name="Rectangle 2"/>
+          <p:cNvSpPr>
+            <a:spLocks noGrp="1" noChangeArrowheads="1"/>
+          </p:cNvSpPr>
+          <p:nvPr>
+            <p:ph type="title"/>
+          </p:nvPr>
+        </p:nvSpPr>
+        <p:spPr/>
+        <p:txBody>
+          <a:bodyPr/>
+          <a:lstStyle/>
+          <a:p>
+            <a:r>
+              <a:rPr lang="en-US" dirty="0"/>
+              <a:t>Sum for Children</a:t>
+            </a:r>
+          </a:p>
+        </p:txBody>
+      </p:sp>
+      <p:sp>
+        <p:nvSpPr>
+          <p:cNvPr id="4099" name="Text Box 3"/>
+          <p:cNvSpPr txBox="1">
+            <a:spLocks noChangeArrowheads="1"/>
+          </p:cNvSpPr>
+          <p:nvPr/>
+        </p:nvSpPr>
+        <p:spPr bwMode="auto">
+          <a:xfrm>
+            <a:off x="381000" y="1377950"/>
+            <a:ext cx="8170863" cy="4205288"/>
+          </a:xfrm>
+          <a:prstGeom prst="rect">
+            <a:avLst/>
+          </a:prstGeom>
+          <a:noFill/>
+          <a:ln>
+            <a:noFill/>
+          </a:ln>
+          <a:effectLst/>
+          <a:extLst>
+            <a:ext uri="{909E8E84-426E-40dd-AFC4-6F175D3DCCD1}">
+              <a14:hiddenFill xmlns:a14="http://schemas.microsoft.com/office/drawing/2010/main">
+                <a:solidFill>
+                  <a:schemeClr val="accent1"/>
+                </a:solidFill>
+              </a14:hiddenFill>
+            </a:ext>
+            <a:ext uri="{91240B29-F687-4f45-9708-019B960494DF}">
+              <a14:hiddenLine xmlns:a14="http://schemas.microsoft.com/office/drawing/2010/main" w="9525">
+                <a:solidFill>
+                  <a:schemeClr val="tx1"/>
+                </a:solidFill>
+                <a:miter lim="800000"/>
+                <a:headEnd/>
+                <a:tailEnd type="none" w="lg" len="lg"/>
+              </a14:hiddenLine>
+            </a:ext>
+            <a:ext uri="{AF507438-7753-43e0-B8FC-AC1667EBCBE1}">
+              <a14:hiddenEffects xmlns:a14="http://schemas.microsoft.com/office/drawing/2010/main">
+                <a:effectLst>
+                  <a:outerShdw blurRad="63500" dist="38099" dir="2700000" algn="ctr" rotWithShape="0">
+                    <a:schemeClr val="bg2">
+                      <a:alpha val="74998"/>
+                    </a:schemeClr>
+                  </a:outerShdw>
+                </a:effectLst>
+              </a14:hiddenEffects>
+            </a:ext>
+          </a:extLst>
+        </p:spPr>
+        <p:txBody>
+          <a:bodyPr wrap="none">
+            <a:spAutoFit/>
+          </a:bodyPr>
+          <a:lstStyle/>
+          <a:p>
+            <a:pPr eaLnBrk="1" hangingPunct="1"/>
+            <a:r>
+              <a:rPr lang="en-US" sz="4800"/>
+              <a:t>   </a:t>
+            </a:r>
+            <a:r>
+              <a:rPr lang="en-US" sz="4400">
+                <a:latin typeface="Comic Sans MS" charset="0"/>
+              </a:rPr>
+              <a:t> 89  + 102 + 115 + 128 + 141 +</a:t>
+            </a:r>
+          </a:p>
+          <a:p>
+            <a:pPr eaLnBrk="1" hangingPunct="1"/>
+            <a:r>
+              <a:rPr lang="en-US" sz="4400">
+                <a:latin typeface="Comic Sans MS" charset="0"/>
+              </a:rPr>
+              <a:t> 154   +             ···                   +</a:t>
+            </a:r>
+          </a:p>
+          <a:p>
+            <a:pPr eaLnBrk="1" hangingPunct="1"/>
+            <a:r>
+              <a:rPr lang="en-US" sz="4400">
+                <a:latin typeface="Comic Sans MS" charset="0"/>
+              </a:rPr>
+              <a:t> 193   +             ···                   +</a:t>
+            </a:r>
+          </a:p>
+          <a:p>
+            <a:pPr eaLnBrk="1" hangingPunct="1"/>
+            <a:r>
+              <a:rPr lang="en-US" sz="4400">
+                <a:latin typeface="Comic Sans MS" charset="0"/>
+              </a:rPr>
+              <a:t> 232  +             ·</a:t>
+            </a:r>
+            <a:r>
+              <a:rPr lang="en-US"/>
+              <a:t>·</a:t>
+            </a:r>
+            <a:r>
+              <a:rPr lang="en-US" sz="4400">
+                <a:latin typeface="Comic Sans MS" charset="0"/>
+              </a:rPr>
+              <a:t>·                   + </a:t>
+            </a:r>
+          </a:p>
+          <a:p>
+            <a:pPr eaLnBrk="1" hangingPunct="1"/>
+            <a:r>
+              <a:rPr lang="en-US" sz="4400">
+                <a:latin typeface="Comic Sans MS" charset="0"/>
+              </a:rPr>
+              <a:t> 323  +             ···                   +</a:t>
+            </a:r>
+          </a:p>
+          <a:p>
+            <a:pPr eaLnBrk="1" hangingPunct="1"/>
+            <a:r>
+              <a:rPr lang="en-US" sz="4400">
+                <a:latin typeface="Comic Sans MS" charset="0"/>
+              </a:rPr>
+              <a:t> 414   +             ··· + 453 + 466 </a:t>
+            </a:r>
+          </a:p>
+        </p:txBody>
+      </p:sp>
+    </p:spTree>
+  </p:cSld>
+  <p:clrMapOvr>
+    <a:masterClrMapping/>
+  </p:clrMapOvr>
+  <mc:AlternateContent xmlns:mc="http://schemas.openxmlformats.org/markup-compatibility/2006" xmlns:p14="http://schemas.microsoft.com/office/powerpoint/2010/main">
+    <mc:Choice Requires="p14">
+      <p:transition spd="med" p14:dur="700">
+        <p:fade/>
+      </p:transition>
+    </mc:Choice>
+    <mc:Fallback xmlns="">
+      <p:transition xmlns:p14="http://schemas.microsoft.com/office/powerpoint/2010/main" spd="med">
+        <p:fade/>
+      </p:transition>
+    </mc:Fallback>
+  </mc:AlternateContent>
+  <p:timing>
+    <p:tnLst>
+      <p:par>
+        <p:cTn xmlns:p14="http://schemas.microsoft.com/office/powerpoint/2010/main" id="1" dur="indefinite" restart="never" nodeType="tmRoot"/>
+      </p:par>
+    </p:tnLst>
+  </p:timing>
+</p:sld>
+</file>
+
+<file path=ppt/slides/slide3.xml><?xml version="1.0" encoding="utf-8"?>
+<p:sld xmlns:a="http://schemas.openxmlformats.org/drawingml/2006/main" xmlns:r="http://schemas.openxmlformats.org/officeDocument/2006/relationships" xmlns:p="http://schemas.openxmlformats.org/presentationml/2006/main">
+  <p:cSld>
+    <p:spTree>
+      <p:nvGrpSpPr>
+        <p:cNvPr id="1" name=""/>
+        <p:cNvGrpSpPr/>
+        <p:nvPr/>
+      </p:nvGrpSpPr>
+      <p:grpSpPr>
+        <a:xfrm>
+          <a:off x="0" y="0"/>
+          <a:ext cx="0" cy="0"/>
+          <a:chOff x="0" y="0"/>
+          <a:chExt cx="0" cy="0"/>
+        </a:xfrm>
+      </p:grpSpPr>
+      <p:sp>
+        <p:nvSpPr>
           <p:cNvPr id="3074" name="Rectangle 2"/>
           <p:cNvSpPr>
             <a:spLocks noGrp="1" noChangeArrowheads="1"/>
@@ -3805,200 +3995,12 @@
   <p:clrMapOvr>
     <a:masterClrMapping/>
   </p:clrMapOvr>
-  <p:transition xmlns:p14="http://schemas.microsoft.com/office/powerpoint/2010/main" spd="slow">
-    <p:fade thruBlk="1"/>
-  </p:transition>
-  <p:timing>
-    <p:tnLst>
-      <p:par>
-        <p:cTn xmlns:p14="http://schemas.microsoft.com/office/powerpoint/2010/main" id="1" dur="indefinite" restart="never" nodeType="tmRoot"/>
-      </p:par>
-    </p:tnLst>
-  </p:timing>
-</p:sld>
-</file>
-
-<file path=ppt/slides/slide3.xml><?xml version="1.0" encoding="utf-8"?>
-<p:sld xmlns:a="http://schemas.openxmlformats.org/drawingml/2006/main" xmlns:r="http://schemas.openxmlformats.org/officeDocument/2006/relationships" xmlns:p="http://schemas.openxmlformats.org/presentationml/2006/main">
-  <p:cSld>
-    <p:spTree>
-      <p:nvGrpSpPr>
-        <p:cNvPr id="1" name=""/>
-        <p:cNvGrpSpPr/>
-        <p:nvPr/>
-      </p:nvGrpSpPr>
-      <p:grpSpPr>
-        <a:xfrm>
-          <a:off x="0" y="0"/>
-          <a:ext cx="0" cy="0"/>
-          <a:chOff x="0" y="0"/>
-          <a:chExt cx="0" cy="0"/>
-        </a:xfrm>
-      </p:grpSpPr>
-      <p:sp>
-        <p:nvSpPr>
-          <p:cNvPr id="4098" name="Rectangle 2"/>
-          <p:cNvSpPr>
-            <a:spLocks noGrp="1" noChangeArrowheads="1"/>
-          </p:cNvSpPr>
-          <p:nvPr>
-            <p:ph type="title"/>
-          </p:nvPr>
-        </p:nvSpPr>
-        <p:spPr/>
-        <p:txBody>
-          <a:bodyPr/>
-          <a:lstStyle/>
-          <a:p>
-            <a:r>
-              <a:rPr lang="en-US"/>
-              <a:t>Sum for Children</a:t>
-            </a:r>
-          </a:p>
-        </p:txBody>
-      </p:sp>
-      <p:sp>
-        <p:nvSpPr>
-          <p:cNvPr id="4099" name="Text Box 3"/>
-          <p:cNvSpPr txBox="1">
-            <a:spLocks noChangeArrowheads="1"/>
-          </p:cNvSpPr>
-          <p:nvPr/>
-        </p:nvSpPr>
-        <p:spPr bwMode="auto">
-          <a:xfrm>
-            <a:off x="381000" y="1377950"/>
-            <a:ext cx="8170863" cy="4205288"/>
-          </a:xfrm>
-          <a:prstGeom prst="rect">
-            <a:avLst/>
-          </a:prstGeom>
-          <a:noFill/>
-          <a:ln>
-            <a:noFill/>
-          </a:ln>
-          <a:effectLst/>
-          <a:extLst>
-            <a:ext uri="{909E8E84-426E-40dd-AFC4-6F175D3DCCD1}">
-              <a14:hiddenFill xmlns:a14="http://schemas.microsoft.com/office/drawing/2010/main">
-                <a:solidFill>
-                  <a:schemeClr val="accent1"/>
-                </a:solidFill>
-              </a14:hiddenFill>
-            </a:ext>
-            <a:ext uri="{91240B29-F687-4f45-9708-019B960494DF}">
-              <a14:hiddenLine xmlns:a14="http://schemas.microsoft.com/office/drawing/2010/main" w="9525">
-                <a:solidFill>
-                  <a:schemeClr val="tx1"/>
-                </a:solidFill>
-                <a:miter lim="800000"/>
-                <a:headEnd/>
-                <a:tailEnd type="none" w="lg" len="lg"/>
-              </a14:hiddenLine>
-            </a:ext>
-            <a:ext uri="{AF507438-7753-43e0-B8FC-AC1667EBCBE1}">
-              <a14:hiddenEffects xmlns:a14="http://schemas.microsoft.com/office/drawing/2010/main">
-                <a:effectLst>
-                  <a:outerShdw blurRad="63500" dist="38099" dir="2700000" algn="ctr" rotWithShape="0">
-                    <a:schemeClr val="bg2">
-                      <a:alpha val="74998"/>
-                    </a:schemeClr>
-                  </a:outerShdw>
-                </a:effectLst>
-              </a14:hiddenEffects>
-            </a:ext>
-          </a:extLst>
-        </p:spPr>
-        <p:txBody>
-          <a:bodyPr wrap="none">
-            <a:spAutoFit/>
-          </a:bodyPr>
-          <a:lstStyle/>
-          <a:p>
-            <a:pPr eaLnBrk="1" hangingPunct="1"/>
-            <a:r>
-              <a:rPr lang="en-US" sz="4800"/>
-              <a:t>   </a:t>
-            </a:r>
-            <a:r>
-              <a:rPr lang="en-US" sz="4400">
-                <a:latin typeface="Comic Sans MS" charset="0"/>
-              </a:rPr>
-              <a:t> 89  + 102 + 115 + 128 + 141 +</a:t>
-            </a:r>
-          </a:p>
-          <a:p>
-            <a:pPr eaLnBrk="1" hangingPunct="1"/>
-            <a:r>
-              <a:rPr lang="en-US" sz="4400">
-                <a:latin typeface="Comic Sans MS" charset="0"/>
-              </a:rPr>
-              <a:t> 154   +             ···                   +</a:t>
-            </a:r>
-          </a:p>
-          <a:p>
-            <a:pPr eaLnBrk="1" hangingPunct="1"/>
-            <a:r>
-              <a:rPr lang="en-US" sz="4400">
-                <a:latin typeface="Comic Sans MS" charset="0"/>
-              </a:rPr>
-              <a:t> 193   +             ···                   +</a:t>
-            </a:r>
-          </a:p>
-          <a:p>
-            <a:pPr eaLnBrk="1" hangingPunct="1"/>
-            <a:r>
-              <a:rPr lang="en-US" sz="4400">
-                <a:latin typeface="Comic Sans MS" charset="0"/>
-              </a:rPr>
-              <a:t> 232  +             ·</a:t>
-            </a:r>
-            <a:r>
-              <a:rPr lang="en-US"/>
-              <a:t>·</a:t>
-            </a:r>
-            <a:r>
-              <a:rPr lang="en-US" sz="4400">
-                <a:latin typeface="Comic Sans MS" charset="0"/>
-              </a:rPr>
-              <a:t>·                   + </a:t>
-            </a:r>
-          </a:p>
-          <a:p>
-            <a:pPr eaLnBrk="1" hangingPunct="1"/>
-            <a:r>
-              <a:rPr lang="en-US" sz="4400">
-                <a:latin typeface="Comic Sans MS" charset="0"/>
-              </a:rPr>
-              <a:t> 323  +             ···                   +</a:t>
-            </a:r>
-          </a:p>
-          <a:p>
-            <a:pPr eaLnBrk="1" hangingPunct="1"/>
-            <a:r>
-              <a:rPr lang="en-US" sz="4400">
-                <a:latin typeface="Comic Sans MS" charset="0"/>
-              </a:rPr>
-              <a:t> 414   +             ··· + 453 + 466 </a:t>
-            </a:r>
-          </a:p>
-        </p:txBody>
-      </p:sp>
-    </p:spTree>
-  </p:cSld>
-  <p:clrMapOvr>
-    <a:masterClrMapping/>
-  </p:clrMapOvr>
-  <mc:AlternateContent xmlns:mc="http://schemas.openxmlformats.org/markup-compatibility/2006" xmlns:p14="http://schemas.microsoft.com/office/powerpoint/2010/main">
-    <mc:Choice Requires="p14">
-      <p:transition spd="med" p14:dur="700">
-        <p:fade/>
-      </p:transition>
+  <mc:AlternateContent xmlns:mc="http://schemas.openxmlformats.org/markup-compatibility/2006">
+    <mc:Choice xmlns:p14="http://schemas.microsoft.com/office/powerpoint/2010/main" Requires="p14">
+      <p:transition p14:dur="0"/>
     </mc:Choice>
-    <mc:Fallback xmlns="">
-      <p:transition xmlns:p14="http://schemas.microsoft.com/office/powerpoint/2010/main" spd="med">
-        <p:fade/>
-      </p:transition>
+    <mc:Fallback>
+      <p:transition xmlns:p14="http://schemas.microsoft.com/office/powerpoint/2010/main"/>
     </mc:Fallback>
   </mc:AlternateContent>
   <p:timing>
@@ -4030,28 +4032,6 @@
       </p:grpSpPr>
       <p:sp>
         <p:nvSpPr>
-          <p:cNvPr id="5122" name="Rectangle 2"/>
-          <p:cNvSpPr>
-            <a:spLocks noGrp="1" noChangeArrowheads="1"/>
-          </p:cNvSpPr>
-          <p:nvPr>
-            <p:ph type="title"/>
-          </p:nvPr>
-        </p:nvSpPr>
-        <p:spPr/>
-        <p:txBody>
-          <a:bodyPr/>
-          <a:lstStyle/>
-          <a:p>
-            <a:r>
-              <a:rPr lang="en-US"/>
-              <a:t>Sum for Children</a:t>
-            </a:r>
-          </a:p>
-        </p:txBody>
-      </p:sp>
-      <p:sp>
-        <p:nvSpPr>
           <p:cNvPr id="5123" name="Rectangle 3"/>
           <p:cNvSpPr>
             <a:spLocks noGrp="1" noChangeArrowheads="1"/>
@@ -4117,6 +4097,33 @@
             <a:r>
               <a:rPr lang="en-US" sz="4400"/>
               <a:t>(So the story goes.)</a:t>
+            </a:r>
+          </a:p>
+        </p:txBody>
+      </p:sp>
+      <p:sp>
+        <p:nvSpPr>
+          <p:cNvPr id="5" name="Rectangle 2"/>
+          <p:cNvSpPr>
+            <a:spLocks noGrp="1" noChangeArrowheads="1"/>
+          </p:cNvSpPr>
+          <p:nvPr>
+            <p:ph type="title"/>
+          </p:nvPr>
+        </p:nvSpPr>
+        <p:spPr>
+          <a:xfrm>
+            <a:off x="533400" y="228600"/>
+            <a:ext cx="7772400" cy="1143000"/>
+          </a:xfrm>
+        </p:spPr>
+        <p:txBody>
+          <a:bodyPr/>
+          <a:lstStyle/>
+          <a:p>
+            <a:r>
+              <a:rPr lang="en-US" dirty="0"/>
+              <a:t>Sum for Children</a:t>
             </a:r>
           </a:p>
         </p:txBody>
@@ -4149,190 +4156,7 @@
 </file>
 
 <file path=ppt/slides/slide5.xml><?xml version="1.0" encoding="utf-8"?>
-<p:sld xmlns:a="http://schemas.openxmlformats.org/drawingml/2006/main" xmlns:r="http://schemas.openxmlformats.org/officeDocument/2006/relationships" xmlns:p="http://schemas.openxmlformats.org/presentationml/2006/main">
-  <p:cSld>
-    <p:spTree>
-      <p:nvGrpSpPr>
-        <p:cNvPr id="1" name=""/>
-        <p:cNvGrpSpPr/>
-        <p:nvPr/>
-      </p:nvGrpSpPr>
-      <p:grpSpPr>
-        <a:xfrm>
-          <a:off x="0" y="0"/>
-          <a:ext cx="0" cy="0"/>
-          <a:chOff x="0" y="0"/>
-          <a:chExt cx="0" cy="0"/>
-        </a:xfrm>
-      </p:grpSpPr>
-      <p:sp>
-        <p:nvSpPr>
-          <p:cNvPr id="4098" name="Rectangle 2"/>
-          <p:cNvSpPr>
-            <a:spLocks noGrp="1" noChangeArrowheads="1"/>
-          </p:cNvSpPr>
-          <p:nvPr>
-            <p:ph type="title"/>
-          </p:nvPr>
-        </p:nvSpPr>
-        <p:spPr/>
-        <p:txBody>
-          <a:bodyPr/>
-          <a:lstStyle/>
-          <a:p>
-            <a:r>
-              <a:rPr lang="en-US"/>
-              <a:t>Sum for Children</a:t>
-            </a:r>
-          </a:p>
-        </p:txBody>
-      </p:sp>
-      <p:sp>
-        <p:nvSpPr>
-          <p:cNvPr id="4099" name="Text Box 3"/>
-          <p:cNvSpPr txBox="1">
-            <a:spLocks noChangeArrowheads="1"/>
-          </p:cNvSpPr>
-          <p:nvPr/>
-        </p:nvSpPr>
-        <p:spPr bwMode="auto">
-          <a:xfrm>
-            <a:off x="228600" y="1371600"/>
-            <a:ext cx="8100445" cy="830997"/>
-          </a:xfrm>
-          <a:prstGeom prst="rect">
-            <a:avLst/>
-          </a:prstGeom>
-          <a:noFill/>
-          <a:ln>
-            <a:noFill/>
-          </a:ln>
-          <a:effectLst/>
-          <a:extLst>
-            <a:ext uri="{909E8E84-426E-40dd-AFC4-6F175D3DCCD1}">
-              <a14:hiddenFill xmlns:a14="http://schemas.microsoft.com/office/drawing/2010/main">
-                <a:solidFill>
-                  <a:schemeClr val="accent1"/>
-                </a:solidFill>
-              </a14:hiddenFill>
-            </a:ext>
-            <a:ext uri="{91240B29-F687-4f45-9708-019B960494DF}">
-              <a14:hiddenLine xmlns:a14="http://schemas.microsoft.com/office/drawing/2010/main" w="9525">
-                <a:solidFill>
-                  <a:schemeClr val="tx1"/>
-                </a:solidFill>
-                <a:miter lim="800000"/>
-                <a:headEnd/>
-                <a:tailEnd type="none" w="lg" len="lg"/>
-              </a14:hiddenLine>
-            </a:ext>
-            <a:ext uri="{AF507438-7753-43e0-B8FC-AC1667EBCBE1}">
-              <a14:hiddenEffects xmlns:a14="http://schemas.microsoft.com/office/drawing/2010/main">
-                <a:effectLst>
-                  <a:outerShdw blurRad="63500" dist="38099" dir="2700000" algn="ctr" rotWithShape="0">
-                    <a:schemeClr val="bg2">
-                      <a:alpha val="74998"/>
-                    </a:schemeClr>
-                  </a:outerShdw>
-                </a:effectLst>
-              </a14:hiddenEffects>
-            </a:ext>
-          </a:extLst>
-        </p:spPr>
-        <p:txBody>
-          <a:bodyPr wrap="none">
-            <a:spAutoFit/>
-          </a:bodyPr>
-          <a:lstStyle/>
-          <a:p>
-            <a:pPr eaLnBrk="1" hangingPunct="1"/>
-            <a:r>
-              <a:rPr lang="en-US" sz="4800" dirty="0" smtClean="0">
-                <a:latin typeface="Comic Sans MS"/>
-                <a:cs typeface="Comic Sans MS"/>
-              </a:rPr>
-              <a:t>A</a:t>
-            </a:r>
-            <a:r>
-              <a:rPr lang="en-US" sz="4800" dirty="0" smtClean="0"/>
-              <a:t> = </a:t>
-            </a:r>
-            <a:r>
-              <a:rPr lang="en-US" sz="4400" dirty="0" smtClean="0">
-                <a:latin typeface="Comic Sans MS" charset="0"/>
-              </a:rPr>
-              <a:t> </a:t>
-            </a:r>
-            <a:r>
-              <a:rPr lang="en-US" sz="4400" dirty="0">
-                <a:latin typeface="Comic Sans MS" charset="0"/>
-              </a:rPr>
-              <a:t>89 </a:t>
-            </a:r>
-            <a:r>
-              <a:rPr lang="en-US" sz="4400" dirty="0" smtClean="0">
-                <a:latin typeface="Comic Sans MS" charset="0"/>
-              </a:rPr>
-              <a:t>+ (89+13</a:t>
-            </a:r>
-            <a:r>
-              <a:rPr lang="en-US" sz="4400" dirty="0">
-                <a:latin typeface="Comic Sans MS" charset="0"/>
-              </a:rPr>
-              <a:t>) + (89+</a:t>
-            </a:r>
-            <a:r>
-              <a:rPr lang="en-US" sz="4400" dirty="0" smtClean="0">
-                <a:latin typeface="Comic Sans MS" charset="0"/>
-              </a:rPr>
-              <a:t>2･</a:t>
-            </a:r>
-            <a:r>
-              <a:rPr lang="en-US" sz="4400" dirty="0">
-                <a:latin typeface="Comic Sans MS" charset="0"/>
-              </a:rPr>
-              <a:t>13)</a:t>
-            </a:r>
-            <a:endParaRPr lang="en-US" sz="4400" dirty="0">
-              <a:latin typeface="Comic Sans MS" charset="0"/>
-            </a:endParaRPr>
-          </a:p>
-        </p:txBody>
-      </p:sp>
-    </p:spTree>
-    <p:extLst>
-      <p:ext uri="{BB962C8B-B14F-4D97-AF65-F5344CB8AC3E}">
-        <p14:creationId xmlns:p14="http://schemas.microsoft.com/office/powerpoint/2010/main" val="9240862"/>
-      </p:ext>
-    </p:extLst>
-  </p:cSld>
-  <p:clrMapOvr>
-    <a:masterClrMapping/>
-  </p:clrMapOvr>
-  <mc:AlternateContent xmlns:mc="http://schemas.openxmlformats.org/markup-compatibility/2006" xmlns:p14="http://schemas.microsoft.com/office/powerpoint/2010/main">
-    <mc:Choice Requires="p14">
-      <p:transition spd="med" p14:dur="700">
-        <p:fade/>
-      </p:transition>
-    </mc:Choice>
-    <mc:Fallback xmlns="">
-      <p:transition xmlns:p14="http://schemas.microsoft.com/office/powerpoint/2010/main" spd="med">
-        <p:fade/>
-      </p:transition>
-    </mc:Fallback>
-  </mc:AlternateContent>
-  <p:timing>
-    <p:tnLst>
-      <p:par>
-        <p:cTn xmlns:p14="http://schemas.microsoft.com/office/powerpoint/2010/main" id="1" dur="indefinite" restart="never" nodeType="tmRoot"/>
-      </p:par>
-    </p:tnLst>
-  </p:timing>
-</p:sld>
-</file>
-
-<file path=ppt/slides/slide6.xml><?xml version="1.0" encoding="utf-8"?>
-<p:sld xmlns:a="http://schemas.openxmlformats.org/drawingml/2006/main" xmlns:r="http://schemas.openxmlformats.org/officeDocument/2006/relationships" xmlns:p="http://schemas.openxmlformats.org/presentationml/2006/main" showMasterPhAnim="0">
+<p:sld xmlns:a="http://schemas.openxmlformats.org/drawingml/2006/main" xmlns:r="http://schemas.openxmlformats.org/officeDocument/2006/relationships" xmlns:p="http://schemas.openxmlformats.org/presentationml/2006/main" showMasterPhAnim="0" show="0">
   <p:cSld>
     <p:spTree>
       <p:nvGrpSpPr>
@@ -4685,13 +4509,13 @@
   <p:clrMapOvr>
     <a:masterClrMapping/>
   </p:clrMapOvr>
-  <mc:AlternateContent xmlns:mc="http://schemas.openxmlformats.org/markup-compatibility/2006" xmlns:p14="http://schemas.microsoft.com/office/powerpoint/2010/main">
-    <mc:Choice Requires="p14">
+  <mc:AlternateContent xmlns:mc="http://schemas.openxmlformats.org/markup-compatibility/2006">
+    <mc:Choice xmlns:p14="http://schemas.microsoft.com/office/powerpoint/2010/main" Requires="p14">
       <p:transition spd="med" p14:dur="700">
         <p:fade/>
       </p:transition>
     </mc:Choice>
-    <mc:Fallback xmlns="">
+    <mc:Fallback>
       <p:transition xmlns:p14="http://schemas.microsoft.com/office/powerpoint/2010/main" spd="med">
         <p:fade/>
       </p:transition>
@@ -4974,8 +4798,8 @@
 </p:sld>
 </file>
 
-<file path=ppt/slides/slide7.xml><?xml version="1.0" encoding="utf-8"?>
-<p:sld xmlns:a="http://schemas.openxmlformats.org/drawingml/2006/main" xmlns:r="http://schemas.openxmlformats.org/officeDocument/2006/relationships" xmlns:p="http://schemas.openxmlformats.org/presentationml/2006/main" showMasterPhAnim="0">
+<file path=ppt/slides/slide6.xml><?xml version="1.0" encoding="utf-8"?>
+<p:sld xmlns:a="http://schemas.openxmlformats.org/drawingml/2006/main" xmlns:r="http://schemas.openxmlformats.org/officeDocument/2006/relationships" xmlns:p="http://schemas.openxmlformats.org/presentationml/2006/main" showMasterPhAnim="0" show="0">
   <p:cSld>
     <p:spTree>
       <p:nvGrpSpPr>
@@ -5013,7 +4837,7 @@
           <a:graphicData uri="http://schemas.openxmlformats.org/presentationml/2006/ole">
             <mc:AlternateContent xmlns:mc="http://schemas.openxmlformats.org/markup-compatibility/2006">
               <mc:Choice xmlns:v="urn:schemas-microsoft-com:vml" Requires="v">
-                <p:oleObj spid="_x0000_s94253" name="Equation" r:id="rId4" imgW="1016000" imgH="495300" progId="Equation.DSMT4">
+                <p:oleObj spid="_x0000_s94268" name="Equation" r:id="rId4" imgW="1016000" imgH="495300" progId="Equation.DSMT4">
                   <p:embed/>
                 </p:oleObj>
               </mc:Choice>
@@ -5384,13 +5208,13 @@
   <p:clrMapOvr>
     <a:masterClrMapping/>
   </p:clrMapOvr>
-  <mc:AlternateContent xmlns:mc="http://schemas.openxmlformats.org/markup-compatibility/2006" xmlns:p14="http://schemas.microsoft.com/office/powerpoint/2010/main">
-    <mc:Choice Requires="p14">
+  <mc:AlternateContent xmlns:mc="http://schemas.openxmlformats.org/markup-compatibility/2006">
+    <mc:Choice xmlns:p14="http://schemas.microsoft.com/office/powerpoint/2010/main" Requires="p14">
       <p:transition spd="med" p14:dur="700">
         <p:fade/>
       </p:transition>
     </mc:Choice>
-    <mc:Fallback xmlns="">
+    <mc:Fallback>
       <p:transition xmlns:p14="http://schemas.microsoft.com/office/powerpoint/2010/main" spd="med">
         <p:fade/>
       </p:transition>
@@ -5554,7 +5378,2049 @@
 </p:sld>
 </file>
 
+<file path=ppt/slides/slide7.xml><?xml version="1.0" encoding="utf-8"?>
+<p:sld xmlns:a="http://schemas.openxmlformats.org/drawingml/2006/main" xmlns:r="http://schemas.openxmlformats.org/officeDocument/2006/relationships" xmlns:p="http://schemas.openxmlformats.org/presentationml/2006/main">
+  <p:cSld>
+    <p:spTree>
+      <p:nvGrpSpPr>
+        <p:cNvPr id="1" name=""/>
+        <p:cNvGrpSpPr/>
+        <p:nvPr/>
+      </p:nvGrpSpPr>
+      <p:grpSpPr>
+        <a:xfrm>
+          <a:off x="0" y="0"/>
+          <a:ext cx="0" cy="0"/>
+          <a:chOff x="0" y="0"/>
+          <a:chExt cx="0" cy="0"/>
+        </a:xfrm>
+      </p:grpSpPr>
+      <p:sp>
+        <p:nvSpPr>
+          <p:cNvPr id="4099" name="Text Box 3"/>
+          <p:cNvSpPr txBox="1">
+            <a:spLocks noChangeArrowheads="1"/>
+          </p:cNvSpPr>
+          <p:nvPr/>
+        </p:nvSpPr>
+        <p:spPr bwMode="auto">
+          <a:xfrm>
+            <a:off x="228600" y="990600"/>
+            <a:ext cx="8839200" cy="707886"/>
+          </a:xfrm>
+          <a:prstGeom prst="rect">
+            <a:avLst/>
+          </a:prstGeom>
+          <a:noFill/>
+          <a:ln>
+            <a:noFill/>
+          </a:ln>
+          <a:effectLst/>
+          <a:extLst>
+            <a:ext uri="{909E8E84-426E-40dd-AFC4-6F175D3DCCD1}">
+              <a14:hiddenFill xmlns:a14="http://schemas.microsoft.com/office/drawing/2010/main">
+                <a:solidFill>
+                  <a:schemeClr val="accent1"/>
+                </a:solidFill>
+              </a14:hiddenFill>
+            </a:ext>
+            <a:ext uri="{91240B29-F687-4f45-9708-019B960494DF}">
+              <a14:hiddenLine xmlns:a14="http://schemas.microsoft.com/office/drawing/2010/main" w="9525">
+                <a:solidFill>
+                  <a:schemeClr val="tx1"/>
+                </a:solidFill>
+                <a:miter lim="800000"/>
+                <a:headEnd/>
+                <a:tailEnd type="none" w="lg" len="lg"/>
+              </a14:hiddenLine>
+            </a:ext>
+            <a:ext uri="{AF507438-7753-43e0-B8FC-AC1667EBCBE1}">
+              <a14:hiddenEffects xmlns:a14="http://schemas.microsoft.com/office/drawing/2010/main">
+                <a:effectLst>
+                  <a:outerShdw blurRad="63500" dist="38099" dir="2700000" algn="ctr" rotWithShape="0">
+                    <a:schemeClr val="bg2">
+                      <a:alpha val="74998"/>
+                    </a:schemeClr>
+                  </a:outerShdw>
+                </a:effectLst>
+              </a14:hiddenEffects>
+            </a:ext>
+          </a:extLst>
+        </p:spPr>
+        <p:txBody>
+          <a:bodyPr wrap="square">
+            <a:spAutoFit/>
+          </a:bodyPr>
+          <a:lstStyle/>
+          <a:p>
+            <a:pPr eaLnBrk="1" hangingPunct="1"/>
+            <a:r>
+              <a:rPr lang="en-US" sz="4000" dirty="0" smtClean="0">
+                <a:latin typeface="Comic Sans MS" charset="0"/>
+              </a:rPr>
+              <a:t>89 + (89+13) +      ⋯       +(89+29･</a:t>
+            </a:r>
+            <a:r>
+              <a:rPr lang="en-US" sz="4000" dirty="0">
+                <a:latin typeface="Comic Sans MS" charset="0"/>
+              </a:rPr>
+              <a:t>13)</a:t>
+            </a:r>
+          </a:p>
+        </p:txBody>
+      </p:sp>
+      <p:cxnSp>
+        <p:nvCxnSpPr>
+          <p:cNvPr id="6" name="Straight Connector 5"/>
+          <p:cNvCxnSpPr/>
+          <p:nvPr/>
+        </p:nvCxnSpPr>
+        <p:spPr bwMode="auto">
+          <a:xfrm>
+            <a:off x="228600" y="3733800"/>
+            <a:ext cx="8534400" cy="0"/>
+          </a:xfrm>
+          <a:prstGeom prst="line">
+            <a:avLst/>
+          </a:prstGeom>
+          <a:solidFill>
+            <a:schemeClr val="accent1"/>
+          </a:solidFill>
+          <a:ln w="41275" cap="flat" cmpd="sng" algn="ctr">
+            <a:solidFill>
+              <a:schemeClr val="tx1"/>
+            </a:solidFill>
+            <a:prstDash val="solid"/>
+            <a:round/>
+            <a:headEnd type="none" w="med" len="med"/>
+            <a:tailEnd type="none" w="med" len="med"/>
+          </a:ln>
+          <a:effectLst/>
+          <a:extLst>
+            <a:ext uri="{AF507438-7753-43e0-B8FC-AC1667EBCBE1}">
+              <a14:hiddenEffects xmlns:a14="http://schemas.microsoft.com/office/drawing/2010/main">
+                <a:effectLst>
+                  <a:outerShdw blurRad="63500" dist="38099" dir="2700000" algn="ctr" rotWithShape="0">
+                    <a:schemeClr val="bg2">
+                      <a:alpha val="74998"/>
+                    </a:schemeClr>
+                  </a:outerShdw>
+                </a:effectLst>
+              </a14:hiddenEffects>
+            </a:ext>
+          </a:extLst>
+        </p:spPr>
+      </p:cxnSp>
+      <p:sp>
+        <p:nvSpPr>
+          <p:cNvPr id="12" name="Text Box 3"/>
+          <p:cNvSpPr txBox="1">
+            <a:spLocks noChangeArrowheads="1"/>
+          </p:cNvSpPr>
+          <p:nvPr/>
+        </p:nvSpPr>
+        <p:spPr bwMode="auto">
+          <a:xfrm>
+            <a:off x="4038600" y="1761530"/>
+            <a:ext cx="3508493" cy="769441"/>
+          </a:xfrm>
+          <a:prstGeom prst="rect">
+            <a:avLst/>
+          </a:prstGeom>
+          <a:noFill/>
+          <a:ln>
+            <a:noFill/>
+          </a:ln>
+          <a:effectLst/>
+          <a:extLst>
+            <a:ext uri="{909E8E84-426E-40dd-AFC4-6F175D3DCCD1}">
+              <a14:hiddenFill xmlns:a14="http://schemas.microsoft.com/office/drawing/2010/main">
+                <a:solidFill>
+                  <a:schemeClr val="accent1"/>
+                </a:solidFill>
+              </a14:hiddenFill>
+            </a:ext>
+            <a:ext uri="{91240B29-F687-4f45-9708-019B960494DF}">
+              <a14:hiddenLine xmlns:a14="http://schemas.microsoft.com/office/drawing/2010/main" w="9525">
+                <a:solidFill>
+                  <a:schemeClr val="tx1"/>
+                </a:solidFill>
+                <a:miter lim="800000"/>
+                <a:headEnd/>
+                <a:tailEnd type="none" w="lg" len="lg"/>
+              </a14:hiddenLine>
+            </a:ext>
+            <a:ext uri="{AF507438-7753-43e0-B8FC-AC1667EBCBE1}">
+              <a14:hiddenEffects xmlns:a14="http://schemas.microsoft.com/office/drawing/2010/main">
+                <a:effectLst>
+                  <a:outerShdw blurRad="63500" dist="38099" dir="2700000" algn="ctr" rotWithShape="0">
+                    <a:schemeClr val="bg2">
+                      <a:alpha val="74998"/>
+                    </a:schemeClr>
+                  </a:outerShdw>
+                </a:effectLst>
+              </a14:hiddenEffects>
+            </a:ext>
+          </a:extLst>
+        </p:spPr>
+        <p:txBody>
+          <a:bodyPr wrap="none">
+            <a:spAutoFit/>
+          </a:bodyPr>
+          <a:lstStyle/>
+          <a:p>
+            <a:pPr eaLnBrk="1" hangingPunct="1"/>
+            <a:r>
+              <a:rPr lang="en-US" sz="4400" dirty="0" smtClean="0">
+                <a:solidFill>
+                  <a:srgbClr val="0000FF"/>
+                </a:solidFill>
+                <a:latin typeface="Comic Sans MS" charset="0"/>
+              </a:rPr>
+              <a:t>+(L-d)  +     L</a:t>
+            </a:r>
+            <a:endParaRPr lang="en-US" sz="4400" dirty="0">
+              <a:solidFill>
+                <a:srgbClr val="0000FF"/>
+              </a:solidFill>
+              <a:latin typeface="Herculanum"/>
+              <a:cs typeface="Herculanum"/>
+            </a:endParaRPr>
+          </a:p>
+        </p:txBody>
+      </p:sp>
+      <p:sp>
+        <p:nvSpPr>
+          <p:cNvPr id="11" name="TextBox 10"/>
+          <p:cNvSpPr txBox="1"/>
+          <p:nvPr/>
+        </p:nvSpPr>
+        <p:spPr>
+          <a:xfrm>
+            <a:off x="381000" y="1761530"/>
+            <a:ext cx="3797734" cy="830997"/>
+          </a:xfrm>
+          <a:prstGeom prst="rect">
+            <a:avLst/>
+          </a:prstGeom>
+          <a:noFill/>
+        </p:spPr>
+        <p:txBody>
+          <a:bodyPr wrap="none" rtlCol="0">
+            <a:spAutoFit/>
+          </a:bodyPr>
+          <a:lstStyle/>
+          <a:p>
+            <a:r>
+              <a:rPr lang="en-US" sz="4800" dirty="0">
+                <a:solidFill>
+                  <a:srgbClr val="0000FF"/>
+                </a:solidFill>
+                <a:latin typeface="Comic Sans MS" charset="0"/>
+              </a:rPr>
+              <a:t>F </a:t>
+            </a:r>
+            <a:r>
+              <a:rPr lang="en-US" sz="4800" dirty="0" smtClean="0">
+                <a:solidFill>
+                  <a:srgbClr val="0000FF"/>
+                </a:solidFill>
+                <a:latin typeface="Comic Sans MS" charset="0"/>
+              </a:rPr>
+              <a:t>+  </a:t>
+            </a:r>
+            <a:r>
+              <a:rPr lang="en-US" sz="4800" dirty="0">
+                <a:solidFill>
+                  <a:srgbClr val="0000FF"/>
+                </a:solidFill>
+                <a:latin typeface="Comic Sans MS" charset="0"/>
+              </a:rPr>
+              <a:t>(</a:t>
+            </a:r>
+            <a:r>
+              <a:rPr lang="en-US" sz="4800" dirty="0" err="1">
+                <a:solidFill>
+                  <a:srgbClr val="0000FF"/>
+                </a:solidFill>
+                <a:latin typeface="Comic Sans MS" charset="0"/>
+              </a:rPr>
+              <a:t>F+d</a:t>
+            </a:r>
+            <a:r>
+              <a:rPr lang="en-US" sz="4800" dirty="0" smtClean="0">
+                <a:solidFill>
+                  <a:srgbClr val="0000FF"/>
+                </a:solidFill>
+                <a:latin typeface="Comic Sans MS" charset="0"/>
+              </a:rPr>
+              <a:t>) +</a:t>
+            </a:r>
+            <a:r>
+              <a:rPr lang="en-US" sz="4800" baseline="-25000" dirty="0" smtClean="0">
+                <a:solidFill>
+                  <a:srgbClr val="0000FF"/>
+                </a:solidFill>
+                <a:latin typeface="Comic Sans MS" charset="0"/>
+              </a:rPr>
+              <a:t> </a:t>
+            </a:r>
+            <a:r>
+              <a:rPr lang="en-US" sz="4800" dirty="0" smtClean="0">
+                <a:solidFill>
+                  <a:srgbClr val="0000FF"/>
+                </a:solidFill>
+                <a:latin typeface="Comic Sans MS" charset="0"/>
+              </a:rPr>
+              <a:t>⋯ </a:t>
+            </a:r>
+            <a:endParaRPr lang="en-US" dirty="0"/>
+          </a:p>
+        </p:txBody>
+      </p:sp>
+      <p:sp>
+        <p:nvSpPr>
+          <p:cNvPr id="13" name="TextBox 12"/>
+          <p:cNvSpPr txBox="1"/>
+          <p:nvPr/>
+        </p:nvSpPr>
+        <p:spPr>
+          <a:xfrm>
+            <a:off x="7543800" y="1676400"/>
+            <a:ext cx="1373167" cy="923330"/>
+          </a:xfrm>
+          <a:prstGeom prst="rect">
+            <a:avLst/>
+          </a:prstGeom>
+          <a:noFill/>
+        </p:spPr>
+        <p:txBody>
+          <a:bodyPr wrap="none" rtlCol="0">
+            <a:spAutoFit/>
+          </a:bodyPr>
+          <a:lstStyle/>
+          <a:p>
+            <a:r>
+              <a:rPr lang="en-US" sz="4800" dirty="0" smtClean="0">
+                <a:latin typeface="Comic Sans MS"/>
+                <a:cs typeface="Comic Sans MS"/>
+              </a:rPr>
+              <a:t>=::</a:t>
+            </a:r>
+            <a:r>
+              <a:rPr lang="en-US" sz="5400" dirty="0" smtClean="0">
+                <a:solidFill>
+                  <a:srgbClr val="9D007C"/>
+                </a:solidFill>
+                <a:latin typeface="Comic Sans MS"/>
+                <a:cs typeface="Comic Sans MS"/>
+              </a:rPr>
+              <a:t>A</a:t>
+            </a:r>
+            <a:endParaRPr lang="en-US" dirty="0">
+              <a:solidFill>
+                <a:srgbClr val="9D007C"/>
+              </a:solidFill>
+            </a:endParaRPr>
+          </a:p>
+        </p:txBody>
+      </p:sp>
+      <p:sp>
+        <p:nvSpPr>
+          <p:cNvPr id="16" name="Text Box 3"/>
+          <p:cNvSpPr txBox="1">
+            <a:spLocks noChangeArrowheads="1"/>
+          </p:cNvSpPr>
+          <p:nvPr/>
+        </p:nvSpPr>
+        <p:spPr bwMode="auto">
+          <a:xfrm>
+            <a:off x="381000" y="2752130"/>
+            <a:ext cx="3689231" cy="830997"/>
+          </a:xfrm>
+          <a:prstGeom prst="rect">
+            <a:avLst/>
+          </a:prstGeom>
+          <a:noFill/>
+          <a:ln>
+            <a:noFill/>
+          </a:ln>
+          <a:effectLst/>
+          <a:extLst>
+            <a:ext uri="{909E8E84-426E-40dd-AFC4-6F175D3DCCD1}">
+              <a14:hiddenFill xmlns:a14="http://schemas.microsoft.com/office/drawing/2010/main">
+                <a:solidFill>
+                  <a:schemeClr val="accent1"/>
+                </a:solidFill>
+              </a14:hiddenFill>
+            </a:ext>
+            <a:ext uri="{91240B29-F687-4f45-9708-019B960494DF}">
+              <a14:hiddenLine xmlns:a14="http://schemas.microsoft.com/office/drawing/2010/main" w="9525">
+                <a:solidFill>
+                  <a:schemeClr val="tx1"/>
+                </a:solidFill>
+                <a:miter lim="800000"/>
+                <a:headEnd/>
+                <a:tailEnd type="none" w="lg" len="lg"/>
+              </a14:hiddenLine>
+            </a:ext>
+            <a:ext uri="{AF507438-7753-43e0-B8FC-AC1667EBCBE1}">
+              <a14:hiddenEffects xmlns:a14="http://schemas.microsoft.com/office/drawing/2010/main">
+                <a:effectLst>
+                  <a:outerShdw blurRad="63500" dist="38099" dir="2700000" algn="ctr" rotWithShape="0">
+                    <a:schemeClr val="bg2">
+                      <a:alpha val="74998"/>
+                    </a:schemeClr>
+                  </a:outerShdw>
+                </a:effectLst>
+              </a14:hiddenEffects>
+            </a:ext>
+          </a:extLst>
+        </p:spPr>
+        <p:txBody>
+          <a:bodyPr wrap="none">
+            <a:spAutoFit/>
+          </a:bodyPr>
+          <a:lstStyle/>
+          <a:p>
+            <a:pPr eaLnBrk="1" hangingPunct="1"/>
+            <a:r>
+              <a:rPr lang="en-US" sz="4800" dirty="0" smtClean="0">
+                <a:solidFill>
+                  <a:srgbClr val="0000FF"/>
+                </a:solidFill>
+                <a:latin typeface="Comic Sans MS" charset="0"/>
+              </a:rPr>
+              <a:t>L +  (L-d) +</a:t>
+            </a:r>
+            <a:r>
+              <a:rPr lang="en-US" sz="4800" baseline="-25000" dirty="0" smtClean="0">
+                <a:solidFill>
+                  <a:srgbClr val="0000FF"/>
+                </a:solidFill>
+                <a:latin typeface="Comic Sans MS" charset="0"/>
+              </a:rPr>
+              <a:t> </a:t>
+            </a:r>
+            <a:r>
+              <a:rPr lang="en-US" sz="4800" dirty="0">
+                <a:solidFill>
+                  <a:srgbClr val="0000FF"/>
+                </a:solidFill>
+                <a:latin typeface="Comic Sans MS" charset="0"/>
+              </a:rPr>
+              <a:t>⋯</a:t>
+            </a:r>
+            <a:r>
+              <a:rPr lang="en-US" sz="4800" dirty="0" smtClean="0">
+                <a:solidFill>
+                  <a:srgbClr val="0000FF"/>
+                </a:solidFill>
+                <a:latin typeface="Comic Sans MS" charset="0"/>
+              </a:rPr>
+              <a:t>     </a:t>
+            </a:r>
+            <a:endParaRPr lang="en-US" sz="4800" dirty="0">
+              <a:solidFill>
+                <a:srgbClr val="0000FF"/>
+              </a:solidFill>
+              <a:latin typeface="Herculanum"/>
+              <a:cs typeface="Herculanum"/>
+            </a:endParaRPr>
+          </a:p>
+        </p:txBody>
+      </p:sp>
+      <p:sp>
+        <p:nvSpPr>
+          <p:cNvPr id="17" name="TextBox 16"/>
+          <p:cNvSpPr txBox="1"/>
+          <p:nvPr/>
+        </p:nvSpPr>
+        <p:spPr>
+          <a:xfrm>
+            <a:off x="4038600" y="2759333"/>
+            <a:ext cx="3551273" cy="830997"/>
+          </a:xfrm>
+          <a:prstGeom prst="rect">
+            <a:avLst/>
+          </a:prstGeom>
+          <a:noFill/>
+        </p:spPr>
+        <p:txBody>
+          <a:bodyPr wrap="none" rtlCol="0">
+            <a:spAutoFit/>
+          </a:bodyPr>
+          <a:lstStyle/>
+          <a:p>
+            <a:r>
+              <a:rPr lang="en-US" sz="4800" dirty="0" smtClean="0">
+                <a:solidFill>
+                  <a:srgbClr val="0000FF"/>
+                </a:solidFill>
+                <a:latin typeface="Comic Sans MS" charset="0"/>
+              </a:rPr>
+              <a:t>+(</a:t>
+            </a:r>
+            <a:r>
+              <a:rPr lang="en-US" sz="4800" dirty="0" err="1">
+                <a:solidFill>
+                  <a:srgbClr val="0000FF"/>
+                </a:solidFill>
+                <a:latin typeface="Comic Sans MS" charset="0"/>
+              </a:rPr>
+              <a:t>F+d</a:t>
+            </a:r>
+            <a:r>
+              <a:rPr lang="en-US" sz="4800" dirty="0" smtClean="0">
+                <a:solidFill>
+                  <a:srgbClr val="0000FF"/>
+                </a:solidFill>
+                <a:latin typeface="Comic Sans MS" charset="0"/>
+              </a:rPr>
+              <a:t>) +    F </a:t>
+            </a:r>
+            <a:endParaRPr lang="en-US" dirty="0"/>
+          </a:p>
+        </p:txBody>
+      </p:sp>
+      <p:sp>
+        <p:nvSpPr>
+          <p:cNvPr id="18" name="TextBox 17"/>
+          <p:cNvSpPr txBox="1"/>
+          <p:nvPr/>
+        </p:nvSpPr>
+        <p:spPr>
+          <a:xfrm>
+            <a:off x="7543800" y="2743200"/>
+            <a:ext cx="1373167" cy="923330"/>
+          </a:xfrm>
+          <a:prstGeom prst="rect">
+            <a:avLst/>
+          </a:prstGeom>
+          <a:noFill/>
+        </p:spPr>
+        <p:txBody>
+          <a:bodyPr wrap="none" rtlCol="0">
+            <a:spAutoFit/>
+          </a:bodyPr>
+          <a:lstStyle/>
+          <a:p>
+            <a:r>
+              <a:rPr lang="en-US" sz="4800" dirty="0" smtClean="0">
+                <a:latin typeface="Comic Sans MS"/>
+                <a:cs typeface="Comic Sans MS"/>
+              </a:rPr>
+              <a:t>=::</a:t>
+            </a:r>
+            <a:r>
+              <a:rPr lang="en-US" sz="5400" dirty="0" smtClean="0">
+                <a:solidFill>
+                  <a:srgbClr val="9D007C"/>
+                </a:solidFill>
+                <a:latin typeface="Comic Sans MS"/>
+                <a:cs typeface="Comic Sans MS"/>
+              </a:rPr>
+              <a:t>A</a:t>
+            </a:r>
+            <a:endParaRPr lang="en-US" dirty="0">
+              <a:solidFill>
+                <a:srgbClr val="9D007C"/>
+              </a:solidFill>
+            </a:endParaRPr>
+          </a:p>
+        </p:txBody>
+      </p:sp>
+      <p:sp>
+        <p:nvSpPr>
+          <p:cNvPr id="14" name="TextBox 13"/>
+          <p:cNvSpPr txBox="1"/>
+          <p:nvPr/>
+        </p:nvSpPr>
+        <p:spPr>
+          <a:xfrm>
+            <a:off x="7642159" y="3741003"/>
+            <a:ext cx="1425641" cy="830997"/>
+          </a:xfrm>
+          <a:prstGeom prst="rect">
+            <a:avLst/>
+          </a:prstGeom>
+          <a:noFill/>
+        </p:spPr>
+        <p:txBody>
+          <a:bodyPr wrap="none" rtlCol="0">
+            <a:spAutoFit/>
+          </a:bodyPr>
+          <a:lstStyle/>
+          <a:p>
+            <a:r>
+              <a:rPr lang="en-US" sz="4000" dirty="0" smtClean="0">
+                <a:latin typeface="Comic Sans MS"/>
+                <a:cs typeface="Comic Sans MS"/>
+              </a:rPr>
+              <a:t>=</a:t>
+            </a:r>
+            <a:r>
+              <a:rPr lang="en-US" sz="4000" dirty="0">
+                <a:latin typeface="Comic Sans MS"/>
+                <a:cs typeface="Comic Sans MS"/>
+              </a:rPr>
+              <a:t> </a:t>
+            </a:r>
+            <a:r>
+              <a:rPr lang="en-US" sz="4800" dirty="0" smtClean="0">
+                <a:solidFill>
+                  <a:srgbClr val="0000FF"/>
+                </a:solidFill>
+                <a:latin typeface="Comic Sans MS"/>
+                <a:cs typeface="Comic Sans MS"/>
+              </a:rPr>
+              <a:t>2</a:t>
+            </a:r>
+            <a:r>
+              <a:rPr lang="en-US" sz="4800" dirty="0" smtClean="0">
+                <a:solidFill>
+                  <a:srgbClr val="9D007C"/>
+                </a:solidFill>
+                <a:latin typeface="Comic Sans MS"/>
+                <a:cs typeface="Comic Sans MS"/>
+              </a:rPr>
+              <a:t>A</a:t>
+            </a:r>
+            <a:endParaRPr lang="en-US" sz="4000" dirty="0"/>
+          </a:p>
+        </p:txBody>
+      </p:sp>
+      <p:sp>
+        <p:nvSpPr>
+          <p:cNvPr id="15" name="Rectangle 14"/>
+          <p:cNvSpPr/>
+          <p:nvPr/>
+        </p:nvSpPr>
+        <p:spPr>
+          <a:xfrm>
+            <a:off x="76200" y="3733800"/>
+            <a:ext cx="7688623" cy="830997"/>
+          </a:xfrm>
+          <a:prstGeom prst="rect">
+            <a:avLst/>
+          </a:prstGeom>
+        </p:spPr>
+        <p:txBody>
+          <a:bodyPr wrap="none">
+            <a:spAutoFit/>
+          </a:bodyPr>
+          <a:lstStyle/>
+          <a:p>
+            <a:r>
+              <a:rPr lang="en-US" sz="4400" dirty="0">
+                <a:solidFill>
+                  <a:srgbClr val="0000FF"/>
+                </a:solidFill>
+                <a:latin typeface="Comic Sans MS" charset="0"/>
+              </a:rPr>
+              <a:t>(F</a:t>
+            </a:r>
+            <a:r>
+              <a:rPr lang="en-US" sz="4400" dirty="0" smtClean="0">
+                <a:solidFill>
+                  <a:srgbClr val="0000FF"/>
+                </a:solidFill>
+                <a:latin typeface="Comic Sans MS" charset="0"/>
+              </a:rPr>
+              <a:t>+L)</a:t>
+            </a:r>
+            <a:r>
+              <a:rPr lang="en-US" sz="4400" dirty="0">
+                <a:solidFill>
+                  <a:srgbClr val="0000FF"/>
+                </a:solidFill>
+                <a:latin typeface="Comic Sans MS" charset="0"/>
+              </a:rPr>
+              <a:t>+(F</a:t>
+            </a:r>
+            <a:r>
+              <a:rPr lang="en-US" sz="4400" dirty="0" smtClean="0">
+                <a:solidFill>
+                  <a:srgbClr val="0000FF"/>
+                </a:solidFill>
+                <a:latin typeface="Comic Sans MS" charset="0"/>
+              </a:rPr>
+              <a:t>+L) +</a:t>
+            </a:r>
+            <a:r>
+              <a:rPr lang="en-US" sz="4400" baseline="-25000" dirty="0" smtClean="0">
+                <a:solidFill>
+                  <a:srgbClr val="0000FF"/>
+                </a:solidFill>
+                <a:latin typeface="Comic Sans MS" charset="0"/>
+              </a:rPr>
+              <a:t> </a:t>
+            </a:r>
+            <a:r>
+              <a:rPr lang="en-US" sz="4400" dirty="0" smtClean="0">
+                <a:solidFill>
+                  <a:srgbClr val="0000FF"/>
+                </a:solidFill>
+                <a:latin typeface="Comic Sans MS" charset="0"/>
+              </a:rPr>
+              <a:t>⋯ +</a:t>
+            </a:r>
+            <a:r>
+              <a:rPr lang="en-US" sz="4400" dirty="0">
+                <a:solidFill>
+                  <a:srgbClr val="0000FF"/>
+                </a:solidFill>
+                <a:latin typeface="Comic Sans MS" charset="0"/>
+              </a:rPr>
+              <a:t>(F+L</a:t>
+            </a:r>
+            <a:r>
+              <a:rPr lang="en-US" sz="4400" dirty="0" smtClean="0">
+                <a:solidFill>
+                  <a:srgbClr val="0000FF"/>
+                </a:solidFill>
+                <a:latin typeface="Comic Sans MS" charset="0"/>
+              </a:rPr>
+              <a:t>)  +</a:t>
+            </a:r>
+            <a:r>
+              <a:rPr lang="en-US" sz="4400" dirty="0">
+                <a:solidFill>
+                  <a:srgbClr val="0000FF"/>
+                </a:solidFill>
+                <a:latin typeface="Comic Sans MS" charset="0"/>
+              </a:rPr>
+              <a:t>(F+L)</a:t>
+            </a:r>
+            <a:r>
+              <a:rPr lang="en-US" sz="4800" dirty="0" smtClean="0">
+                <a:solidFill>
+                  <a:srgbClr val="0000FF"/>
+                </a:solidFill>
+                <a:latin typeface="Comic Sans MS" charset="0"/>
+              </a:rPr>
+              <a:t> </a:t>
+            </a:r>
+            <a:endParaRPr lang="en-US" sz="4800" dirty="0"/>
+          </a:p>
+        </p:txBody>
+      </p:sp>
+      <p:graphicFrame>
+        <p:nvGraphicFramePr>
+          <p:cNvPr id="19" name="Object 18"/>
+          <p:cNvGraphicFramePr>
+            <a:graphicFrameLocks noChangeAspect="1"/>
+          </p:cNvGraphicFramePr>
+          <p:nvPr>
+            <p:extLst>
+              <p:ext uri="{D42A27DB-BD31-4B8C-83A1-F6EECF244321}">
+                <p14:modId xmlns:p14="http://schemas.microsoft.com/office/powerpoint/2010/main" val="978290705"/>
+              </p:ext>
+            </p:extLst>
+          </p:nvPr>
+        </p:nvGraphicFramePr>
+        <p:xfrm>
+          <a:off x="1676400" y="4648200"/>
+          <a:ext cx="5634568" cy="1676400"/>
+        </p:xfrm>
+        <a:graphic>
+          <a:graphicData uri="http://schemas.openxmlformats.org/presentationml/2006/ole">
+            <mc:AlternateContent xmlns:mc="http://schemas.openxmlformats.org/markup-compatibility/2006">
+              <mc:Choice xmlns:v="urn:schemas-microsoft-com:vml" Requires="v">
+                <p:oleObj spid="_x0000_s1040" name="Equation" r:id="rId4" imgW="1536700" imgH="457200" progId="Equation.DSMT4">
+                  <p:embed/>
+                </p:oleObj>
+              </mc:Choice>
+              <mc:Fallback>
+                <p:oleObj name="Equation" r:id="rId4" imgW="1536700" imgH="457200" progId="Equation.DSMT4">
+                  <p:embed/>
+                  <p:pic>
+                    <p:nvPicPr>
+                      <p:cNvPr id="0" name=""/>
+                      <p:cNvPicPr/>
+                      <p:nvPr/>
+                    </p:nvPicPr>
+                    <p:blipFill>
+                      <a:blip r:embed="rId5"/>
+                      <a:stretch>
+                        <a:fillRect/>
+                      </a:stretch>
+                    </p:blipFill>
+                    <p:spPr>
+                      <a:xfrm>
+                        <a:off x="1676400" y="4648200"/>
+                        <a:ext cx="5634568" cy="1676400"/>
+                      </a:xfrm>
+                      <a:prstGeom prst="rect">
+                        <a:avLst/>
+                      </a:prstGeom>
+                    </p:spPr>
+                  </p:pic>
+                </p:oleObj>
+              </mc:Fallback>
+            </mc:AlternateContent>
+          </a:graphicData>
+        </a:graphic>
+      </p:graphicFrame>
+      <p:sp>
+        <p:nvSpPr>
+          <p:cNvPr id="20" name="Rectangle 2"/>
+          <p:cNvSpPr>
+            <a:spLocks noGrp="1" noChangeArrowheads="1"/>
+          </p:cNvSpPr>
+          <p:nvPr>
+            <p:ph type="title"/>
+          </p:nvPr>
+        </p:nvSpPr>
+        <p:spPr>
+          <a:xfrm>
+            <a:off x="533400" y="228600"/>
+            <a:ext cx="7772400" cy="1143000"/>
+          </a:xfrm>
+        </p:spPr>
+        <p:txBody>
+          <a:bodyPr/>
+          <a:lstStyle/>
+          <a:p>
+            <a:r>
+              <a:rPr lang="en-US" dirty="0"/>
+              <a:t>Sum for Children</a:t>
+            </a:r>
+          </a:p>
+        </p:txBody>
+      </p:sp>
+    </p:spTree>
+    <p:extLst>
+      <p:ext uri="{BB962C8B-B14F-4D97-AF65-F5344CB8AC3E}">
+        <p14:creationId xmlns:p14="http://schemas.microsoft.com/office/powerpoint/2010/main" val="9240862"/>
+      </p:ext>
+    </p:extLst>
+  </p:cSld>
+  <p:clrMapOvr>
+    <a:masterClrMapping/>
+  </p:clrMapOvr>
+  <mc:AlternateContent xmlns:mc="http://schemas.openxmlformats.org/markup-compatibility/2006" xmlns:p14="http://schemas.microsoft.com/office/powerpoint/2010/main">
+    <mc:Choice Requires="p14">
+      <p:transition spd="med" p14:dur="700">
+        <p:fade/>
+      </p:transition>
+    </mc:Choice>
+    <mc:Fallback xmlns="">
+      <p:transition xmlns:p14="http://schemas.microsoft.com/office/powerpoint/2010/main" spd="med">
+        <p:fade/>
+      </p:transition>
+    </mc:Fallback>
+  </mc:AlternateContent>
+  <p:timing>
+    <p:tnLst>
+      <p:par>
+        <p:cTn xmlns:p14="http://schemas.microsoft.com/office/powerpoint/2010/main" id="1" dur="indefinite" restart="never" nodeType="tmRoot">
+          <p:childTnLst>
+            <p:seq concurrent="1" nextAc="seek">
+              <p:cTn id="2" dur="indefinite" nodeType="mainSeq">
+                <p:childTnLst>
+                  <p:par>
+                    <p:cTn id="3" fill="hold">
+                      <p:stCondLst>
+                        <p:cond delay="indefinite"/>
+                        <p:cond evt="onBegin" delay="0">
+                          <p:tn val="2"/>
+                        </p:cond>
+                      </p:stCondLst>
+                      <p:childTnLst>
+                        <p:par>
+                          <p:cTn id="4" fill="hold">
+                            <p:stCondLst>
+                              <p:cond delay="0"/>
+                            </p:stCondLst>
+                            <p:childTnLst>
+                              <p:par>
+                                <p:cTn id="5" presetID="22" presetClass="entr" presetSubtype="8" fill="hold" grpId="0" nodeType="withEffect">
+                                  <p:stCondLst>
+                                    <p:cond delay="0"/>
+                                  </p:stCondLst>
+                                  <p:childTnLst>
+                                    <p:set>
+                                      <p:cBhvr>
+                                        <p:cTn id="6" dur="1" fill="hold">
+                                          <p:stCondLst>
+                                            <p:cond delay="0"/>
+                                          </p:stCondLst>
+                                        </p:cTn>
+                                        <p:tgtEl>
+                                          <p:spTgt spid="4099"/>
+                                        </p:tgtEl>
+                                        <p:attrNameLst>
+                                          <p:attrName>style.visibility</p:attrName>
+                                        </p:attrNameLst>
+                                      </p:cBhvr>
+                                      <p:to>
+                                        <p:strVal val="visible"/>
+                                      </p:to>
+                                    </p:set>
+                                    <p:animEffect transition="in" filter="wipe(left)">
+                                      <p:cBhvr>
+                                        <p:cTn id="7" dur="1000"/>
+                                        <p:tgtEl>
+                                          <p:spTgt spid="4099"/>
+                                        </p:tgtEl>
+                                      </p:cBhvr>
+                                    </p:animEffect>
+                                  </p:childTnLst>
+                                </p:cTn>
+                              </p:par>
+                            </p:childTnLst>
+                          </p:cTn>
+                        </p:par>
+                      </p:childTnLst>
+                    </p:cTn>
+                  </p:par>
+                  <p:par>
+                    <p:cTn id="8" fill="hold">
+                      <p:stCondLst>
+                        <p:cond delay="indefinite"/>
+                      </p:stCondLst>
+                      <p:childTnLst>
+                        <p:par>
+                          <p:cTn id="9" fill="hold">
+                            <p:stCondLst>
+                              <p:cond delay="0"/>
+                            </p:stCondLst>
+                            <p:childTnLst>
+                              <p:par>
+                                <p:cTn id="10" presetID="22" presetClass="entr" presetSubtype="8" fill="hold" grpId="0" nodeType="clickEffect">
+                                  <p:stCondLst>
+                                    <p:cond delay="0"/>
+                                  </p:stCondLst>
+                                  <p:childTnLst>
+                                    <p:set>
+                                      <p:cBhvr>
+                                        <p:cTn id="11" dur="1" fill="hold">
+                                          <p:stCondLst>
+                                            <p:cond delay="0"/>
+                                          </p:stCondLst>
+                                        </p:cTn>
+                                        <p:tgtEl>
+                                          <p:spTgt spid="11"/>
+                                        </p:tgtEl>
+                                        <p:attrNameLst>
+                                          <p:attrName>style.visibility</p:attrName>
+                                        </p:attrNameLst>
+                                      </p:cBhvr>
+                                      <p:to>
+                                        <p:strVal val="visible"/>
+                                      </p:to>
+                                    </p:set>
+                                    <p:animEffect transition="in" filter="wipe(left)">
+                                      <p:cBhvr>
+                                        <p:cTn id="12" dur="1000"/>
+                                        <p:tgtEl>
+                                          <p:spTgt spid="11"/>
+                                        </p:tgtEl>
+                                      </p:cBhvr>
+                                    </p:animEffect>
+                                  </p:childTnLst>
+                                </p:cTn>
+                              </p:par>
+                            </p:childTnLst>
+                          </p:cTn>
+                        </p:par>
+                      </p:childTnLst>
+                    </p:cTn>
+                  </p:par>
+                  <p:par>
+                    <p:cTn id="13" fill="hold">
+                      <p:stCondLst>
+                        <p:cond delay="indefinite"/>
+                      </p:stCondLst>
+                      <p:childTnLst>
+                        <p:par>
+                          <p:cTn id="14" fill="hold">
+                            <p:stCondLst>
+                              <p:cond delay="0"/>
+                            </p:stCondLst>
+                            <p:childTnLst>
+                              <p:par>
+                                <p:cTn id="15" presetID="22" presetClass="entr" presetSubtype="2" fill="hold" grpId="0" nodeType="clickEffect">
+                                  <p:stCondLst>
+                                    <p:cond delay="0"/>
+                                  </p:stCondLst>
+                                  <p:childTnLst>
+                                    <p:set>
+                                      <p:cBhvr>
+                                        <p:cTn id="16" dur="1" fill="hold">
+                                          <p:stCondLst>
+                                            <p:cond delay="0"/>
+                                          </p:stCondLst>
+                                        </p:cTn>
+                                        <p:tgtEl>
+                                          <p:spTgt spid="12"/>
+                                        </p:tgtEl>
+                                        <p:attrNameLst>
+                                          <p:attrName>style.visibility</p:attrName>
+                                        </p:attrNameLst>
+                                      </p:cBhvr>
+                                      <p:to>
+                                        <p:strVal val="visible"/>
+                                      </p:to>
+                                    </p:set>
+                                    <p:animEffect transition="in" filter="wipe(right)">
+                                      <p:cBhvr>
+                                        <p:cTn id="17" dur="1000"/>
+                                        <p:tgtEl>
+                                          <p:spTgt spid="12"/>
+                                        </p:tgtEl>
+                                      </p:cBhvr>
+                                    </p:animEffect>
+                                  </p:childTnLst>
+                                </p:cTn>
+                              </p:par>
+                            </p:childTnLst>
+                          </p:cTn>
+                        </p:par>
+                        <p:par>
+                          <p:cTn id="18" fill="hold">
+                            <p:stCondLst>
+                              <p:cond delay="1000"/>
+                            </p:stCondLst>
+                            <p:childTnLst>
+                              <p:par>
+                                <p:cTn id="19" presetID="9" presetClass="entr" presetSubtype="0" fill="hold" grpId="0" nodeType="afterEffect">
+                                  <p:stCondLst>
+                                    <p:cond delay="0"/>
+                                  </p:stCondLst>
+                                  <p:childTnLst>
+                                    <p:set>
+                                      <p:cBhvr>
+                                        <p:cTn id="20" dur="1" fill="hold">
+                                          <p:stCondLst>
+                                            <p:cond delay="0"/>
+                                          </p:stCondLst>
+                                        </p:cTn>
+                                        <p:tgtEl>
+                                          <p:spTgt spid="13"/>
+                                        </p:tgtEl>
+                                        <p:attrNameLst>
+                                          <p:attrName>style.visibility</p:attrName>
+                                        </p:attrNameLst>
+                                      </p:cBhvr>
+                                      <p:to>
+                                        <p:strVal val="visible"/>
+                                      </p:to>
+                                    </p:set>
+                                    <p:animEffect transition="in" filter="dissolve">
+                                      <p:cBhvr>
+                                        <p:cTn id="21" dur="1000"/>
+                                        <p:tgtEl>
+                                          <p:spTgt spid="13"/>
+                                        </p:tgtEl>
+                                      </p:cBhvr>
+                                    </p:animEffect>
+                                  </p:childTnLst>
+                                </p:cTn>
+                              </p:par>
+                            </p:childTnLst>
+                          </p:cTn>
+                        </p:par>
+                      </p:childTnLst>
+                    </p:cTn>
+                  </p:par>
+                  <p:par>
+                    <p:cTn id="22" fill="hold">
+                      <p:stCondLst>
+                        <p:cond delay="indefinite"/>
+                      </p:stCondLst>
+                      <p:childTnLst>
+                        <p:par>
+                          <p:cTn id="23" fill="hold">
+                            <p:stCondLst>
+                              <p:cond delay="0"/>
+                            </p:stCondLst>
+                            <p:childTnLst>
+                              <p:par>
+                                <p:cTn id="24" presetID="9" presetClass="entr" presetSubtype="0" fill="hold" grpId="0" nodeType="clickEffect">
+                                  <p:stCondLst>
+                                    <p:cond delay="0"/>
+                                  </p:stCondLst>
+                                  <p:childTnLst>
+                                    <p:set>
+                                      <p:cBhvr>
+                                        <p:cTn id="25" dur="1" fill="hold">
+                                          <p:stCondLst>
+                                            <p:cond delay="0"/>
+                                          </p:stCondLst>
+                                        </p:cTn>
+                                        <p:tgtEl>
+                                          <p:spTgt spid="18"/>
+                                        </p:tgtEl>
+                                        <p:attrNameLst>
+                                          <p:attrName>style.visibility</p:attrName>
+                                        </p:attrNameLst>
+                                      </p:cBhvr>
+                                      <p:to>
+                                        <p:strVal val="visible"/>
+                                      </p:to>
+                                    </p:set>
+                                    <p:animEffect transition="in" filter="dissolve">
+                                      <p:cBhvr>
+                                        <p:cTn id="26" dur="500"/>
+                                        <p:tgtEl>
+                                          <p:spTgt spid="18"/>
+                                        </p:tgtEl>
+                                      </p:cBhvr>
+                                    </p:animEffect>
+                                  </p:childTnLst>
+                                </p:cTn>
+                              </p:par>
+                            </p:childTnLst>
+                          </p:cTn>
+                        </p:par>
+                        <p:par>
+                          <p:cTn id="27" fill="hold">
+                            <p:stCondLst>
+                              <p:cond delay="500"/>
+                            </p:stCondLst>
+                            <p:childTnLst>
+                              <p:par>
+                                <p:cTn id="28" presetID="22" presetClass="entr" presetSubtype="2" fill="hold" grpId="0" nodeType="afterEffect">
+                                  <p:stCondLst>
+                                    <p:cond delay="0"/>
+                                  </p:stCondLst>
+                                  <p:childTnLst>
+                                    <p:set>
+                                      <p:cBhvr>
+                                        <p:cTn id="29" dur="1" fill="hold">
+                                          <p:stCondLst>
+                                            <p:cond delay="0"/>
+                                          </p:stCondLst>
+                                        </p:cTn>
+                                        <p:tgtEl>
+                                          <p:spTgt spid="17"/>
+                                        </p:tgtEl>
+                                        <p:attrNameLst>
+                                          <p:attrName>style.visibility</p:attrName>
+                                        </p:attrNameLst>
+                                      </p:cBhvr>
+                                      <p:to>
+                                        <p:strVal val="visible"/>
+                                      </p:to>
+                                    </p:set>
+                                    <p:animEffect transition="in" filter="wipe(right)">
+                                      <p:cBhvr>
+                                        <p:cTn id="30" dur="1000"/>
+                                        <p:tgtEl>
+                                          <p:spTgt spid="17"/>
+                                        </p:tgtEl>
+                                      </p:cBhvr>
+                                    </p:animEffect>
+                                  </p:childTnLst>
+                                </p:cTn>
+                              </p:par>
+                            </p:childTnLst>
+                          </p:cTn>
+                        </p:par>
+                        <p:par>
+                          <p:cTn id="31" fill="hold">
+                            <p:stCondLst>
+                              <p:cond delay="1500"/>
+                            </p:stCondLst>
+                            <p:childTnLst>
+                              <p:par>
+                                <p:cTn id="32" presetID="22" presetClass="entr" presetSubtype="2" fill="hold" grpId="0" nodeType="afterEffect">
+                                  <p:stCondLst>
+                                    <p:cond delay="0"/>
+                                  </p:stCondLst>
+                                  <p:childTnLst>
+                                    <p:set>
+                                      <p:cBhvr>
+                                        <p:cTn id="33" dur="1" fill="hold">
+                                          <p:stCondLst>
+                                            <p:cond delay="0"/>
+                                          </p:stCondLst>
+                                        </p:cTn>
+                                        <p:tgtEl>
+                                          <p:spTgt spid="16"/>
+                                        </p:tgtEl>
+                                        <p:attrNameLst>
+                                          <p:attrName>style.visibility</p:attrName>
+                                        </p:attrNameLst>
+                                      </p:cBhvr>
+                                      <p:to>
+                                        <p:strVal val="visible"/>
+                                      </p:to>
+                                    </p:set>
+                                    <p:animEffect transition="in" filter="wipe(right)">
+                                      <p:cBhvr>
+                                        <p:cTn id="34" dur="1000"/>
+                                        <p:tgtEl>
+                                          <p:spTgt spid="16"/>
+                                        </p:tgtEl>
+                                      </p:cBhvr>
+                                    </p:animEffect>
+                                  </p:childTnLst>
+                                </p:cTn>
+                              </p:par>
+                            </p:childTnLst>
+                          </p:cTn>
+                        </p:par>
+                      </p:childTnLst>
+                    </p:cTn>
+                  </p:par>
+                  <p:par>
+                    <p:cTn id="35" fill="hold">
+                      <p:stCondLst>
+                        <p:cond delay="indefinite"/>
+                      </p:stCondLst>
+                      <p:childTnLst>
+                        <p:par>
+                          <p:cTn id="36" fill="hold">
+                            <p:stCondLst>
+                              <p:cond delay="0"/>
+                            </p:stCondLst>
+                            <p:childTnLst>
+                              <p:par>
+                                <p:cTn id="37" presetID="9" presetClass="entr" presetSubtype="0" fill="hold" nodeType="clickEffect">
+                                  <p:stCondLst>
+                                    <p:cond delay="0"/>
+                                  </p:stCondLst>
+                                  <p:childTnLst>
+                                    <p:set>
+                                      <p:cBhvr>
+                                        <p:cTn id="38" dur="1" fill="hold">
+                                          <p:stCondLst>
+                                            <p:cond delay="0"/>
+                                          </p:stCondLst>
+                                        </p:cTn>
+                                        <p:tgtEl>
+                                          <p:spTgt spid="6"/>
+                                        </p:tgtEl>
+                                        <p:attrNameLst>
+                                          <p:attrName>style.visibility</p:attrName>
+                                        </p:attrNameLst>
+                                      </p:cBhvr>
+                                      <p:to>
+                                        <p:strVal val="visible"/>
+                                      </p:to>
+                                    </p:set>
+                                    <p:animEffect transition="in" filter="dissolve">
+                                      <p:cBhvr>
+                                        <p:cTn id="39" dur="500"/>
+                                        <p:tgtEl>
+                                          <p:spTgt spid="6"/>
+                                        </p:tgtEl>
+                                      </p:cBhvr>
+                                    </p:animEffect>
+                                  </p:childTnLst>
+                                </p:cTn>
+                              </p:par>
+                            </p:childTnLst>
+                          </p:cTn>
+                        </p:par>
+                        <p:par>
+                          <p:cTn id="40" fill="hold">
+                            <p:stCondLst>
+                              <p:cond delay="500"/>
+                            </p:stCondLst>
+                            <p:childTnLst>
+                              <p:par>
+                                <p:cTn id="41" presetID="9" presetClass="entr" presetSubtype="0" fill="hold" grpId="0" nodeType="afterEffect">
+                                  <p:stCondLst>
+                                    <p:cond delay="0"/>
+                                  </p:stCondLst>
+                                  <p:childTnLst>
+                                    <p:set>
+                                      <p:cBhvr>
+                                        <p:cTn id="42" dur="1" fill="hold">
+                                          <p:stCondLst>
+                                            <p:cond delay="0"/>
+                                          </p:stCondLst>
+                                        </p:cTn>
+                                        <p:tgtEl>
+                                          <p:spTgt spid="14"/>
+                                        </p:tgtEl>
+                                        <p:attrNameLst>
+                                          <p:attrName>style.visibility</p:attrName>
+                                        </p:attrNameLst>
+                                      </p:cBhvr>
+                                      <p:to>
+                                        <p:strVal val="visible"/>
+                                      </p:to>
+                                    </p:set>
+                                    <p:animEffect transition="in" filter="dissolve">
+                                      <p:cBhvr>
+                                        <p:cTn id="43" dur="500"/>
+                                        <p:tgtEl>
+                                          <p:spTgt spid="14"/>
+                                        </p:tgtEl>
+                                      </p:cBhvr>
+                                    </p:animEffect>
+                                  </p:childTnLst>
+                                </p:cTn>
+                              </p:par>
+                            </p:childTnLst>
+                          </p:cTn>
+                        </p:par>
+                      </p:childTnLst>
+                    </p:cTn>
+                  </p:par>
+                  <p:par>
+                    <p:cTn id="44" fill="hold">
+                      <p:stCondLst>
+                        <p:cond delay="indefinite"/>
+                      </p:stCondLst>
+                      <p:childTnLst>
+                        <p:par>
+                          <p:cTn id="45" fill="hold">
+                            <p:stCondLst>
+                              <p:cond delay="0"/>
+                            </p:stCondLst>
+                            <p:childTnLst>
+                              <p:par>
+                                <p:cTn id="46" presetID="22" presetClass="entr" presetSubtype="1" fill="hold" grpId="0" nodeType="clickEffect">
+                                  <p:stCondLst>
+                                    <p:cond delay="0"/>
+                                  </p:stCondLst>
+                                  <p:childTnLst>
+                                    <p:set>
+                                      <p:cBhvr>
+                                        <p:cTn id="47" dur="1" fill="hold">
+                                          <p:stCondLst>
+                                            <p:cond delay="0"/>
+                                          </p:stCondLst>
+                                        </p:cTn>
+                                        <p:tgtEl>
+                                          <p:spTgt spid="15"/>
+                                        </p:tgtEl>
+                                        <p:attrNameLst>
+                                          <p:attrName>style.visibility</p:attrName>
+                                        </p:attrNameLst>
+                                      </p:cBhvr>
+                                      <p:to>
+                                        <p:strVal val="visible"/>
+                                      </p:to>
+                                    </p:set>
+                                    <p:animEffect transition="in" filter="wipe(up)">
+                                      <p:cBhvr>
+                                        <p:cTn id="48" dur="1000"/>
+                                        <p:tgtEl>
+                                          <p:spTgt spid="15"/>
+                                        </p:tgtEl>
+                                      </p:cBhvr>
+                                    </p:animEffect>
+                                  </p:childTnLst>
+                                </p:cTn>
+                              </p:par>
+                            </p:childTnLst>
+                          </p:cTn>
+                        </p:par>
+                      </p:childTnLst>
+                    </p:cTn>
+                  </p:par>
+                  <p:par>
+                    <p:cTn id="49" fill="hold">
+                      <p:stCondLst>
+                        <p:cond delay="indefinite"/>
+                      </p:stCondLst>
+                      <p:childTnLst>
+                        <p:par>
+                          <p:cTn id="50" fill="hold">
+                            <p:stCondLst>
+                              <p:cond delay="0"/>
+                            </p:stCondLst>
+                            <p:childTnLst>
+                              <p:par>
+                                <p:cTn id="51" presetID="22" presetClass="entr" presetSubtype="8" fill="hold" nodeType="clickEffect">
+                                  <p:stCondLst>
+                                    <p:cond delay="0"/>
+                                  </p:stCondLst>
+                                  <p:childTnLst>
+                                    <p:set>
+                                      <p:cBhvr>
+                                        <p:cTn id="52" dur="1" fill="hold">
+                                          <p:stCondLst>
+                                            <p:cond delay="0"/>
+                                          </p:stCondLst>
+                                        </p:cTn>
+                                        <p:tgtEl>
+                                          <p:spTgt spid="19"/>
+                                        </p:tgtEl>
+                                        <p:attrNameLst>
+                                          <p:attrName>style.visibility</p:attrName>
+                                        </p:attrNameLst>
+                                      </p:cBhvr>
+                                      <p:to>
+                                        <p:strVal val="visible"/>
+                                      </p:to>
+                                    </p:set>
+                                    <p:animEffect transition="in" filter="wipe(left)">
+                                      <p:cBhvr>
+                                        <p:cTn id="53" dur="1000"/>
+                                        <p:tgtEl>
+                                          <p:spTgt spid="19"/>
+                                        </p:tgtEl>
+                                      </p:cBhvr>
+                                    </p:animEffect>
+                                  </p:childTnLst>
+                                </p:cTn>
+                              </p:par>
+                            </p:childTnLst>
+                          </p:cTn>
+                        </p:par>
+                      </p:childTnLst>
+                    </p:cTn>
+                  </p:par>
+                </p:childTnLst>
+              </p:cTn>
+              <p:prevCondLst>
+                <p:cond evt="onPrev" delay="0">
+                  <p:tgtEl>
+                    <p:sldTgt/>
+                  </p:tgtEl>
+                </p:cond>
+              </p:prevCondLst>
+              <p:nextCondLst>
+                <p:cond evt="onNext" delay="0">
+                  <p:tgtEl>
+                    <p:sldTgt/>
+                  </p:tgtEl>
+                </p:cond>
+              </p:nextCondLst>
+            </p:seq>
+          </p:childTnLst>
+        </p:cTn>
+      </p:par>
+    </p:tnLst>
+    <p:bldLst>
+      <p:bldP spid="4099" grpId="0"/>
+      <p:bldP spid="12" grpId="0"/>
+      <p:bldP spid="11" grpId="0"/>
+      <p:bldP spid="13" grpId="0"/>
+      <p:bldP spid="16" grpId="0"/>
+      <p:bldP spid="17" grpId="0"/>
+      <p:bldP spid="18" grpId="0"/>
+      <p:bldP spid="14" grpId="0"/>
+      <p:bldP spid="15" grpId="0"/>
+    </p:bldLst>
+  </p:timing>
+</p:sld>
+</file>
+
 <file path=ppt/slides/slide8.xml><?xml version="1.0" encoding="utf-8"?>
+<p:sld xmlns:a="http://schemas.openxmlformats.org/drawingml/2006/main" xmlns:r="http://schemas.openxmlformats.org/officeDocument/2006/relationships" xmlns:p="http://schemas.openxmlformats.org/presentationml/2006/main">
+  <p:cSld>
+    <p:spTree>
+      <p:nvGrpSpPr>
+        <p:cNvPr id="1" name=""/>
+        <p:cNvGrpSpPr/>
+        <p:nvPr/>
+      </p:nvGrpSpPr>
+      <p:grpSpPr>
+        <a:xfrm>
+          <a:off x="0" y="0"/>
+          <a:ext cx="0" cy="0"/>
+          <a:chOff x="0" y="0"/>
+          <a:chExt cx="0" cy="0"/>
+        </a:xfrm>
+      </p:grpSpPr>
+      <p:graphicFrame>
+        <p:nvGraphicFramePr>
+          <p:cNvPr id="6" name="Object 5"/>
+          <p:cNvGraphicFramePr>
+            <a:graphicFrameLocks noChangeAspect="1"/>
+          </p:cNvGraphicFramePr>
+          <p:nvPr>
+            <p:extLst>
+              <p:ext uri="{D42A27DB-BD31-4B8C-83A1-F6EECF244321}">
+                <p14:modId xmlns:p14="http://schemas.microsoft.com/office/powerpoint/2010/main" val="1690173939"/>
+              </p:ext>
+            </p:extLst>
+          </p:nvPr>
+        </p:nvGraphicFramePr>
+        <p:xfrm>
+          <a:off x="1119188" y="3625850"/>
+          <a:ext cx="6811962" cy="1479550"/>
+        </p:xfrm>
+        <a:graphic>
+          <a:graphicData uri="http://schemas.openxmlformats.org/presentationml/2006/ole">
+            <mc:AlternateContent xmlns:mc="http://schemas.openxmlformats.org/markup-compatibility/2006">
+              <mc:Choice xmlns:v="urn:schemas-microsoft-com:vml" Requires="v">
+                <p:oleObj spid="_x0000_s96319" name="Equation" r:id="rId3" imgW="2222500" imgH="482600" progId="Equation.DSMT4">
+                  <p:embed/>
+                </p:oleObj>
+              </mc:Choice>
+              <mc:Fallback>
+                <p:oleObj name="Equation" r:id="rId3" imgW="2222500" imgH="482600" progId="Equation.DSMT4">
+                  <p:embed/>
+                  <p:pic>
+                    <p:nvPicPr>
+                      <p:cNvPr id="0" name=""/>
+                      <p:cNvPicPr/>
+                      <p:nvPr/>
+                    </p:nvPicPr>
+                    <p:blipFill>
+                      <a:blip r:embed="rId4"/>
+                      <a:stretch>
+                        <a:fillRect/>
+                      </a:stretch>
+                    </p:blipFill>
+                    <p:spPr>
+                      <a:xfrm>
+                        <a:off x="1119188" y="3625850"/>
+                        <a:ext cx="6811962" cy="1479550"/>
+                      </a:xfrm>
+                      <a:prstGeom prst="rect">
+                        <a:avLst/>
+                      </a:prstGeom>
+                    </p:spPr>
+                  </p:pic>
+                </p:oleObj>
+              </mc:Fallback>
+            </mc:AlternateContent>
+          </a:graphicData>
+        </a:graphic>
+      </p:graphicFrame>
+      <p:sp>
+        <p:nvSpPr>
+          <p:cNvPr id="2" name="Title 1"/>
+          <p:cNvSpPr>
+            <a:spLocks noGrp="1"/>
+          </p:cNvSpPr>
+          <p:nvPr>
+            <p:ph type="title"/>
+          </p:nvPr>
+        </p:nvSpPr>
+        <p:spPr/>
+        <p:txBody>
+          <a:bodyPr/>
+          <a:lstStyle/>
+          <a:p>
+            <a:r>
+              <a:rPr lang="en-US" dirty="0" smtClean="0"/>
+              <a:t>Arithmetic Sum</a:t>
+            </a:r>
+            <a:endParaRPr lang="en-US" dirty="0"/>
+          </a:p>
+        </p:txBody>
+      </p:sp>
+      <p:graphicFrame>
+        <p:nvGraphicFramePr>
+          <p:cNvPr id="4" name="Object 16"/>
+          <p:cNvGraphicFramePr>
+            <a:graphicFrameLocks noChangeAspect="1"/>
+          </p:cNvGraphicFramePr>
+          <p:nvPr>
+            <p:extLst>
+              <p:ext uri="{D42A27DB-BD31-4B8C-83A1-F6EECF244321}">
+                <p14:modId xmlns:p14="http://schemas.microsoft.com/office/powerpoint/2010/main" val="1630919995"/>
+              </p:ext>
+            </p:extLst>
+          </p:nvPr>
+        </p:nvGraphicFramePr>
+        <p:xfrm>
+          <a:off x="2057400" y="1905000"/>
+          <a:ext cx="3082925" cy="1584325"/>
+        </p:xfrm>
+        <a:graphic>
+          <a:graphicData uri="http://schemas.openxmlformats.org/presentationml/2006/ole">
+            <mc:AlternateContent xmlns:mc="http://schemas.openxmlformats.org/markup-compatibility/2006">
+              <mc:Choice xmlns:v="urn:schemas-microsoft-com:vml" Requires="v">
+                <p:oleObj spid="_x0000_s96320" name="Equation" r:id="rId5" imgW="965200" imgH="495300" progId="Equation.DSMT4">
+                  <p:embed/>
+                </p:oleObj>
+              </mc:Choice>
+              <mc:Fallback>
+                <p:oleObj name="Equation" r:id="rId5" imgW="965200" imgH="495300" progId="Equation.DSMT4">
+                  <p:embed/>
+                  <p:pic>
+                    <p:nvPicPr>
+                      <p:cNvPr id="0" name=""/>
+                      <p:cNvPicPr>
+                        <a:picLocks noChangeAspect="1" noChangeArrowheads="1"/>
+                      </p:cNvPicPr>
+                      <p:nvPr/>
+                    </p:nvPicPr>
+                    <p:blipFill>
+                      <a:blip r:embed="rId6"/>
+                      <a:srcRect/>
+                      <a:stretch>
+                        <a:fillRect/>
+                      </a:stretch>
+                    </p:blipFill>
+                    <p:spPr bwMode="auto">
+                      <a:xfrm>
+                        <a:off x="2057400" y="1905000"/>
+                        <a:ext cx="3082925" cy="1584325"/>
+                      </a:xfrm>
+                      <a:prstGeom prst="rect">
+                        <a:avLst/>
+                      </a:prstGeom>
+                      <a:noFill/>
+                      <a:ln>
+                        <a:noFill/>
+                      </a:ln>
+                      <a:effectLst/>
+                      <a:extLst>
+                        <a:ext uri="{909E8E84-426E-40dd-AFC4-6F175D3DCCD1}">
+                          <a14:hiddenFill xmlns:a14="http://schemas.microsoft.com/office/drawing/2010/main">
+                            <a:solidFill>
+                              <a:srgbClr val="FFFFFF"/>
+                            </a:solidFill>
+                          </a14:hiddenFill>
+                        </a:ext>
+                        <a:ext uri="{91240B29-F687-4f45-9708-019B960494DF}">
+                          <a14:hiddenLine xmlns:a14="http://schemas.microsoft.com/office/drawing/2010/main" w="9525">
+                            <a:solidFill>
+                              <a:srgbClr val="000000"/>
+                            </a:solidFill>
+                            <a:miter lim="800000"/>
+                            <a:headEnd/>
+                            <a:tailEnd/>
+                          </a14:hiddenLine>
+                        </a:ext>
+                        <a:ext uri="{AF507438-7753-43e0-B8FC-AC1667EBCBE1}">
+                          <a14:hiddenEffects xmlns:a14="http://schemas.microsoft.com/office/drawing/2010/main">
+                            <a:effectLst>
+                              <a:outerShdw blurRad="63500" dist="38099" dir="2700000" algn="ctr" rotWithShape="0">
+                                <a:srgbClr val="000000">
+                                  <a:alpha val="74998"/>
+                                </a:srgbClr>
+                              </a:outerShdw>
+                            </a:effectLst>
+                          </a14:hiddenEffects>
+                        </a:ext>
+                      </a:extLst>
+                    </p:spPr>
+                  </p:pic>
+                </p:oleObj>
+              </mc:Fallback>
+            </mc:AlternateContent>
+          </a:graphicData>
+        </a:graphic>
+      </p:graphicFrame>
+      <p:graphicFrame>
+        <p:nvGraphicFramePr>
+          <p:cNvPr id="5" name="Object 4"/>
+          <p:cNvGraphicFramePr>
+            <a:graphicFrameLocks noChangeAspect="1"/>
+          </p:cNvGraphicFramePr>
+          <p:nvPr>
+            <p:extLst>
+              <p:ext uri="{D42A27DB-BD31-4B8C-83A1-F6EECF244321}">
+                <p14:modId xmlns:p14="http://schemas.microsoft.com/office/powerpoint/2010/main" val="1958381809"/>
+              </p:ext>
+            </p:extLst>
+          </p:nvPr>
+        </p:nvGraphicFramePr>
+        <p:xfrm>
+          <a:off x="1754716" y="990600"/>
+          <a:ext cx="5634568" cy="1676400"/>
+        </p:xfrm>
+        <a:graphic>
+          <a:graphicData uri="http://schemas.openxmlformats.org/presentationml/2006/ole">
+            <mc:AlternateContent xmlns:mc="http://schemas.openxmlformats.org/markup-compatibility/2006">
+              <mc:Choice xmlns:v="urn:schemas-microsoft-com:vml" Requires="v">
+                <p:oleObj spid="_x0000_s96321" name="Equation" r:id="rId7" imgW="1536700" imgH="457200" progId="Equation.DSMT4">
+                  <p:embed/>
+                </p:oleObj>
+              </mc:Choice>
+              <mc:Fallback>
+                <p:oleObj name="Equation" r:id="rId7" imgW="1536700" imgH="457200" progId="Equation.DSMT4">
+                  <p:embed/>
+                  <p:pic>
+                    <p:nvPicPr>
+                      <p:cNvPr id="0" name=""/>
+                      <p:cNvPicPr/>
+                      <p:nvPr/>
+                    </p:nvPicPr>
+                    <p:blipFill>
+                      <a:blip r:embed="rId8"/>
+                      <a:stretch>
+                        <a:fillRect/>
+                      </a:stretch>
+                    </p:blipFill>
+                    <p:spPr>
+                      <a:xfrm>
+                        <a:off x="1754716" y="990600"/>
+                        <a:ext cx="5634568" cy="1676400"/>
+                      </a:xfrm>
+                      <a:prstGeom prst="rect">
+                        <a:avLst/>
+                      </a:prstGeom>
+                    </p:spPr>
+                  </p:pic>
+                </p:oleObj>
+              </mc:Fallback>
+            </mc:AlternateContent>
+          </a:graphicData>
+        </a:graphic>
+      </p:graphicFrame>
+      <p:graphicFrame>
+        <p:nvGraphicFramePr>
+          <p:cNvPr id="7" name="Object 6"/>
+          <p:cNvGraphicFramePr>
+            <a:graphicFrameLocks noChangeAspect="1"/>
+          </p:cNvGraphicFramePr>
+          <p:nvPr>
+            <p:extLst>
+              <p:ext uri="{D42A27DB-BD31-4B8C-83A1-F6EECF244321}">
+                <p14:modId xmlns:p14="http://schemas.microsoft.com/office/powerpoint/2010/main" val="3204535763"/>
+              </p:ext>
+            </p:extLst>
+          </p:nvPr>
+        </p:nvGraphicFramePr>
+        <p:xfrm>
+          <a:off x="6883400" y="4457700"/>
+          <a:ext cx="139700" cy="215900"/>
+        </p:xfrm>
+        <a:graphic>
+          <a:graphicData uri="http://schemas.openxmlformats.org/presentationml/2006/ole">
+            <mc:AlternateContent xmlns:mc="http://schemas.openxmlformats.org/markup-compatibility/2006">
+              <mc:Choice xmlns:v="urn:schemas-microsoft-com:vml" Requires="v">
+                <p:oleObj spid="_x0000_s96322" name="Equation" r:id="rId9" imgW="139700" imgH="215900" progId="Equation.DSMT4">
+                  <p:embed/>
+                </p:oleObj>
+              </mc:Choice>
+              <mc:Fallback>
+                <p:oleObj name="Equation" r:id="rId9" imgW="139700" imgH="215900" progId="Equation.DSMT4">
+                  <p:embed/>
+                  <p:pic>
+                    <p:nvPicPr>
+                      <p:cNvPr id="0" name=""/>
+                      <p:cNvPicPr/>
+                      <p:nvPr/>
+                    </p:nvPicPr>
+                    <p:blipFill>
+                      <a:blip r:embed="rId10"/>
+                      <a:stretch>
+                        <a:fillRect/>
+                      </a:stretch>
+                    </p:blipFill>
+                    <p:spPr>
+                      <a:xfrm>
+                        <a:off x="6883400" y="4457700"/>
+                        <a:ext cx="139700" cy="215900"/>
+                      </a:xfrm>
+                      <a:prstGeom prst="rect">
+                        <a:avLst/>
+                      </a:prstGeom>
+                    </p:spPr>
+                  </p:pic>
+                </p:oleObj>
+              </mc:Fallback>
+            </mc:AlternateContent>
+          </a:graphicData>
+        </a:graphic>
+      </p:graphicFrame>
+      <p:graphicFrame>
+        <p:nvGraphicFramePr>
+          <p:cNvPr id="9" name="Object 8"/>
+          <p:cNvGraphicFramePr>
+            <a:graphicFrameLocks noChangeAspect="1"/>
+          </p:cNvGraphicFramePr>
+          <p:nvPr>
+            <p:extLst>
+              <p:ext uri="{D42A27DB-BD31-4B8C-83A1-F6EECF244321}">
+                <p14:modId xmlns:p14="http://schemas.microsoft.com/office/powerpoint/2010/main" val="2564851402"/>
+              </p:ext>
+            </p:extLst>
+          </p:nvPr>
+        </p:nvGraphicFramePr>
+        <p:xfrm>
+          <a:off x="1066800" y="3567224"/>
+          <a:ext cx="6477000" cy="1690576"/>
+        </p:xfrm>
+        <a:graphic>
+          <a:graphicData uri="http://schemas.openxmlformats.org/presentationml/2006/ole">
+            <mc:AlternateContent xmlns:mc="http://schemas.openxmlformats.org/markup-compatibility/2006">
+              <mc:Choice xmlns:v="urn:schemas-microsoft-com:vml" Requires="v">
+                <p:oleObj spid="_x0000_s96323" name="Equation" r:id="rId11" imgW="2044700" imgH="533400" progId="Equation.DSMT4">
+                  <p:embed/>
+                </p:oleObj>
+              </mc:Choice>
+              <mc:Fallback>
+                <p:oleObj name="Equation" r:id="rId11" imgW="2044700" imgH="533400" progId="Equation.DSMT4">
+                  <p:embed/>
+                  <p:pic>
+                    <p:nvPicPr>
+                      <p:cNvPr id="0" name=""/>
+                      <p:cNvPicPr/>
+                      <p:nvPr/>
+                    </p:nvPicPr>
+                    <p:blipFill>
+                      <a:blip r:embed="rId12"/>
+                      <a:stretch>
+                        <a:fillRect/>
+                      </a:stretch>
+                    </p:blipFill>
+                    <p:spPr>
+                      <a:xfrm>
+                        <a:off x="1066800" y="3567224"/>
+                        <a:ext cx="6477000" cy="1690576"/>
+                      </a:xfrm>
+                      <a:prstGeom prst="rect">
+                        <a:avLst/>
+                      </a:prstGeom>
+                    </p:spPr>
+                  </p:pic>
+                </p:oleObj>
+              </mc:Fallback>
+            </mc:AlternateContent>
+          </a:graphicData>
+        </a:graphic>
+      </p:graphicFrame>
+    </p:spTree>
+    <p:extLst>
+      <p:ext uri="{BB962C8B-B14F-4D97-AF65-F5344CB8AC3E}">
+        <p14:creationId xmlns:p14="http://schemas.microsoft.com/office/powerpoint/2010/main" val="2895211013"/>
+      </p:ext>
+    </p:extLst>
+  </p:cSld>
+  <p:clrMapOvr>
+    <a:masterClrMapping/>
+  </p:clrMapOvr>
+  <mc:AlternateContent xmlns:mc="http://schemas.openxmlformats.org/markup-compatibility/2006">
+    <mc:Choice xmlns:p14="http://schemas.microsoft.com/office/powerpoint/2010/main" Requires="p14">
+      <p:transition spd="med" p14:dur="700">
+        <p:fade/>
+      </p:transition>
+    </mc:Choice>
+    <mc:Fallback>
+      <p:transition xmlns:p14="http://schemas.microsoft.com/office/powerpoint/2010/main" spd="med">
+        <p:fade/>
+      </p:transition>
+    </mc:Fallback>
+  </mc:AlternateContent>
+  <p:timing>
+    <p:tnLst>
+      <p:par>
+        <p:cTn xmlns:p14="http://schemas.microsoft.com/office/powerpoint/2010/main" id="1" dur="indefinite" restart="never" nodeType="tmRoot">
+          <p:childTnLst>
+            <p:seq concurrent="1" nextAc="seek">
+              <p:cTn id="2" dur="indefinite" nodeType="mainSeq">
+                <p:childTnLst>
+                  <p:par>
+                    <p:cTn id="3" fill="hold">
+                      <p:stCondLst>
+                        <p:cond delay="indefinite"/>
+                        <p:cond evt="onBegin" delay="0">
+                          <p:tn val="2"/>
+                        </p:cond>
+                      </p:stCondLst>
+                      <p:childTnLst>
+                        <p:par>
+                          <p:cTn id="4" fill="hold">
+                            <p:stCondLst>
+                              <p:cond delay="0"/>
+                            </p:stCondLst>
+                            <p:childTnLst>
+                              <p:par>
+                                <p:cTn id="5" presetID="22" presetClass="entr" presetSubtype="4" fill="hold" nodeType="afterEffect">
+                                  <p:stCondLst>
+                                    <p:cond delay="0"/>
+                                  </p:stCondLst>
+                                  <p:childTnLst>
+                                    <p:set>
+                                      <p:cBhvr>
+                                        <p:cTn id="6" dur="1" fill="hold">
+                                          <p:stCondLst>
+                                            <p:cond delay="0"/>
+                                          </p:stCondLst>
+                                        </p:cTn>
+                                        <p:tgtEl>
+                                          <p:spTgt spid="4"/>
+                                        </p:tgtEl>
+                                        <p:attrNameLst>
+                                          <p:attrName>style.visibility</p:attrName>
+                                        </p:attrNameLst>
+                                      </p:cBhvr>
+                                      <p:to>
+                                        <p:strVal val="visible"/>
+                                      </p:to>
+                                    </p:set>
+                                    <p:animEffect transition="in" filter="wipe(down)">
+                                      <p:cBhvr>
+                                        <p:cTn id="7" dur="500"/>
+                                        <p:tgtEl>
+                                          <p:spTgt spid="4"/>
+                                        </p:tgtEl>
+                                      </p:cBhvr>
+                                    </p:animEffect>
+                                  </p:childTnLst>
+                                </p:cTn>
+                              </p:par>
+                            </p:childTnLst>
+                          </p:cTn>
+                        </p:par>
+                      </p:childTnLst>
+                    </p:cTn>
+                  </p:par>
+                  <p:par>
+                    <p:cTn id="8" fill="hold">
+                      <p:stCondLst>
+                        <p:cond delay="indefinite"/>
+                      </p:stCondLst>
+                      <p:childTnLst>
+                        <p:par>
+                          <p:cTn id="9" fill="hold">
+                            <p:stCondLst>
+                              <p:cond delay="0"/>
+                            </p:stCondLst>
+                            <p:childTnLst>
+                              <p:par>
+                                <p:cTn id="10" presetID="22" presetClass="entr" presetSubtype="8" fill="hold" nodeType="clickEffect">
+                                  <p:stCondLst>
+                                    <p:cond delay="0"/>
+                                  </p:stCondLst>
+                                  <p:childTnLst>
+                                    <p:set>
+                                      <p:cBhvr>
+                                        <p:cTn id="11" dur="1" fill="hold">
+                                          <p:stCondLst>
+                                            <p:cond delay="0"/>
+                                          </p:stCondLst>
+                                        </p:cTn>
+                                        <p:tgtEl>
+                                          <p:spTgt spid="6"/>
+                                        </p:tgtEl>
+                                        <p:attrNameLst>
+                                          <p:attrName>style.visibility</p:attrName>
+                                        </p:attrNameLst>
+                                      </p:cBhvr>
+                                      <p:to>
+                                        <p:strVal val="visible"/>
+                                      </p:to>
+                                    </p:set>
+                                    <p:animEffect transition="in" filter="wipe(left)">
+                                      <p:cBhvr>
+                                        <p:cTn id="12" dur="1000"/>
+                                        <p:tgtEl>
+                                          <p:spTgt spid="6"/>
+                                        </p:tgtEl>
+                                      </p:cBhvr>
+                                    </p:animEffect>
+                                  </p:childTnLst>
+                                </p:cTn>
+                              </p:par>
+                            </p:childTnLst>
+                          </p:cTn>
+                        </p:par>
+                      </p:childTnLst>
+                    </p:cTn>
+                  </p:par>
+                  <p:par>
+                    <p:cTn id="13" fill="hold">
+                      <p:stCondLst>
+                        <p:cond delay="indefinite"/>
+                      </p:stCondLst>
+                      <p:childTnLst>
+                        <p:par>
+                          <p:cTn id="14" fill="hold">
+                            <p:stCondLst>
+                              <p:cond delay="0"/>
+                            </p:stCondLst>
+                            <p:childTnLst>
+                              <p:par>
+                                <p:cTn id="15" presetID="9" presetClass="exit" presetSubtype="0" fill="hold" nodeType="clickEffect">
+                                  <p:stCondLst>
+                                    <p:cond delay="0"/>
+                                  </p:stCondLst>
+                                  <p:childTnLst>
+                                    <p:animEffect transition="out" filter="dissolve">
+                                      <p:cBhvr>
+                                        <p:cTn id="16" dur="500"/>
+                                        <p:tgtEl>
+                                          <p:spTgt spid="6"/>
+                                        </p:tgtEl>
+                                      </p:cBhvr>
+                                    </p:animEffect>
+                                    <p:set>
+                                      <p:cBhvr>
+                                        <p:cTn id="17" dur="1" fill="hold">
+                                          <p:stCondLst>
+                                            <p:cond delay="499"/>
+                                          </p:stCondLst>
+                                        </p:cTn>
+                                        <p:tgtEl>
+                                          <p:spTgt spid="6"/>
+                                        </p:tgtEl>
+                                        <p:attrNameLst>
+                                          <p:attrName>style.visibility</p:attrName>
+                                        </p:attrNameLst>
+                                      </p:cBhvr>
+                                      <p:to>
+                                        <p:strVal val="hidden"/>
+                                      </p:to>
+                                    </p:set>
+                                  </p:childTnLst>
+                                </p:cTn>
+                              </p:par>
+                              <p:par>
+                                <p:cTn id="18" presetID="22" presetClass="entr" presetSubtype="8" fill="hold" nodeType="withEffect">
+                                  <p:stCondLst>
+                                    <p:cond delay="0"/>
+                                  </p:stCondLst>
+                                  <p:childTnLst>
+                                    <p:set>
+                                      <p:cBhvr>
+                                        <p:cTn id="19" dur="1" fill="hold">
+                                          <p:stCondLst>
+                                            <p:cond delay="0"/>
+                                          </p:stCondLst>
+                                        </p:cTn>
+                                        <p:tgtEl>
+                                          <p:spTgt spid="9"/>
+                                        </p:tgtEl>
+                                        <p:attrNameLst>
+                                          <p:attrName>style.visibility</p:attrName>
+                                        </p:attrNameLst>
+                                      </p:cBhvr>
+                                      <p:to>
+                                        <p:strVal val="visible"/>
+                                      </p:to>
+                                    </p:set>
+                                    <p:animEffect transition="in" filter="wipe(left)">
+                                      <p:cBhvr>
+                                        <p:cTn id="20" dur="500"/>
+                                        <p:tgtEl>
+                                          <p:spTgt spid="9"/>
+                                        </p:tgtEl>
+                                      </p:cBhvr>
+                                    </p:animEffect>
+                                  </p:childTnLst>
+                                </p:cTn>
+                              </p:par>
+                            </p:childTnLst>
+                          </p:cTn>
+                        </p:par>
+                      </p:childTnLst>
+                    </p:cTn>
+                  </p:par>
+                </p:childTnLst>
+              </p:cTn>
+              <p:prevCondLst>
+                <p:cond evt="onPrev" delay="0">
+                  <p:tgtEl>
+                    <p:sldTgt/>
+                  </p:tgtEl>
+                </p:cond>
+              </p:prevCondLst>
+              <p:nextCondLst>
+                <p:cond evt="onNext" delay="0">
+                  <p:tgtEl>
+                    <p:sldTgt/>
+                  </p:tgtEl>
+                </p:cond>
+              </p:nextCondLst>
+            </p:seq>
+          </p:childTnLst>
+        </p:cTn>
+      </p:par>
+    </p:tnLst>
+  </p:timing>
+</p:sld>
+</file>
+
+<file path=ppt/slides/slide9.xml><?xml version="1.0" encoding="utf-8"?>
 <p:sld xmlns:a="http://schemas.openxmlformats.org/drawingml/2006/main" xmlns:r="http://schemas.openxmlformats.org/officeDocument/2006/relationships" xmlns:p="http://schemas.openxmlformats.org/presentationml/2006/main">
   <p:cSld>
     <p:spTree>
@@ -5838,10 +7704,10 @@
         </p:nvGrpSpPr>
         <p:grpSpPr bwMode="auto">
           <a:xfrm>
-            <a:off x="3138487" y="3657600"/>
-            <a:ext cx="3033713" cy="1938338"/>
-            <a:chOff x="1977" y="2428"/>
-            <a:chExt cx="1911" cy="1221"/>
+            <a:off x="3048000" y="3657600"/>
+            <a:ext cx="3124201" cy="1938338"/>
+            <a:chOff x="1920" y="2428"/>
+            <a:chExt cx="1968" cy="1221"/>
           </a:xfrm>
         </p:grpSpPr>
         <p:sp>
@@ -5903,6 +7769,15 @@
             <a:lstStyle/>
             <a:p>
               <a:r>
+                <a:rPr lang="en-US" sz="6000" dirty="0" smtClean="0">
+                  <a:solidFill>
+                    <a:srgbClr val="3333FF"/>
+                  </a:solidFill>
+                  <a:latin typeface="Comic Sans MS" charset="0"/>
+                </a:rPr>
+                <a:t>n</a:t>
+              </a:r>
+              <a:r>
                 <a:rPr lang="en-US" sz="5400" dirty="0">
                   <a:solidFill>
                     <a:srgbClr val="3333FF"/>
@@ -5918,8 +7793,14 @@
                   </a:solidFill>
                   <a:latin typeface="Comic Sans MS" charset="0"/>
                 </a:rPr>
-                <a:t>1 + n)n</a:t>
+                <a:t>1+n)</a:t>
               </a:r>
+              <a:endParaRPr lang="en-US" sz="6000" dirty="0">
+                <a:solidFill>
+                  <a:srgbClr val="3333FF"/>
+                </a:solidFill>
+                <a:latin typeface="Comic Sans MS" charset="0"/>
+              </a:endParaRPr>
             </a:p>
             <a:p>
               <a:r>
@@ -5929,10 +7810,10 @@
                   </a:solidFill>
                   <a:latin typeface="Comic Sans MS" charset="0"/>
                 </a:rPr>
-                <a:t>      </a:t>
+                <a:t>    </a:t>
               </a:r>
               <a:r>
-                <a:rPr lang="en-US" sz="6000" dirty="0">
+                <a:rPr lang="en-US" sz="6000" dirty="0" smtClean="0">
                   <a:solidFill>
                     <a:srgbClr val="3333FF"/>
                   </a:solidFill>
@@ -5940,6 +7821,12 @@
                 </a:rPr>
                 <a:t>2</a:t>
               </a:r>
+              <a:endParaRPr lang="en-US" sz="6000" dirty="0">
+                <a:solidFill>
+                  <a:srgbClr val="3333FF"/>
+                </a:solidFill>
+                <a:latin typeface="Comic Sans MS" charset="0"/>
+              </a:endParaRPr>
             </a:p>
           </p:txBody>
         </p:sp>
@@ -5953,7 +7840,7 @@
           </p:nvSpPr>
           <p:spPr bwMode="auto">
             <a:xfrm flipV="1">
-              <a:off x="2064" y="3072"/>
+              <a:off x="1920" y="3072"/>
               <a:ext cx="1536" cy="0"/>
             </a:xfrm>
             <a:prstGeom prst="line">
@@ -6002,15 +7889,15 @@
   <p:clrMapOvr>
     <a:masterClrMapping/>
   </p:clrMapOvr>
-  <mc:AlternateContent xmlns:mc="http://schemas.openxmlformats.org/markup-compatibility/2006" xmlns:p14="http://schemas.microsoft.com/office/powerpoint/2010/main">
-    <mc:Choice Requires="p14">
-      <p:transition spd="med" p14:dur="700">
-        <p:fade/>
+  <mc:AlternateContent xmlns:mc="http://schemas.openxmlformats.org/markup-compatibility/2006">
+    <mc:Choice xmlns:p14="http://schemas.microsoft.com/office/powerpoint/2010/main" Requires="p14">
+      <p:transition spd="slow" p14:dur="800">
+        <p:fade thruBlk="1"/>
       </p:transition>
     </mc:Choice>
-    <mc:Fallback xmlns="">
-      <p:transition xmlns:p14="http://schemas.microsoft.com/office/powerpoint/2010/main" spd="med">
-        <p:fade/>
+    <mc:Fallback>
+      <p:transition xmlns:p14="http://schemas.microsoft.com/office/powerpoint/2010/main" spd="slow">
+        <p:fade thruBlk="1"/>
       </p:transition>
     </mc:Fallback>
   </mc:AlternateContent>

--- a/spring12/slidesS12/arithmetic-sums.pptx
+++ b/spring12/slidesS12/arithmetic-sums.pptx
@@ -1944,6 +1944,13 @@
   <p:clrMapOvr>
     <a:masterClrMapping/>
   </p:clrMapOvr>
+  <p:timing>
+    <p:tnLst>
+      <p:par>
+        <p:cTn xmlns:p14="http://schemas.microsoft.com/office/powerpoint/2010/main" id="1" dur="indefinite" restart="never" nodeType="tmRoot"/>
+      </p:par>
+    </p:tnLst>
+  </p:timing>
 </p:sldLayout>
 </file>
 
@@ -2853,8 +2860,8 @@
         </p:nvSpPr>
         <p:spPr bwMode="auto">
           <a:xfrm>
-            <a:off x="8153400" y="6553200"/>
-            <a:ext cx="990600" cy="274638"/>
+            <a:off x="7391400" y="6553200"/>
+            <a:ext cx="1752600" cy="276999"/>
           </a:xfrm>
           <a:prstGeom prst="rect">
             <a:avLst/>
@@ -2896,26 +2903,26 @@
           </a:extLst>
         </p:spPr>
         <p:txBody>
-          <a:bodyPr>
+          <a:bodyPr wrap="square">
             <a:spAutoFit/>
           </a:bodyPr>
           <a:lstStyle/>
           <a:p>
             <a:pPr algn="r" eaLnBrk="1" hangingPunct="1"/>
             <a:r>
-              <a:rPr lang="en-US" sz="1200">
-                <a:latin typeface="Comic Sans MS" charset="0"/>
-              </a:rPr>
-              <a:t>lec 8F.</a:t>
+              <a:rPr lang="en-US" sz="1200" dirty="0" smtClean="0">
+                <a:latin typeface="Comic Sans MS" charset="0"/>
+              </a:rPr>
+              <a:t>arithmetic-sum.</a:t>
             </a:r>
             <a:fld id="{BAD60C4D-E46A-6F4A-9374-7055D7F3B38F}" type="slidenum">
-              <a:rPr lang="en-US" sz="1200">
+              <a:rPr lang="en-US" sz="1200" smtClean="0">
                 <a:latin typeface="Comic Sans MS" charset="0"/>
               </a:rPr>
               <a:pPr algn="r" eaLnBrk="1" hangingPunct="1"/>
               <a:t>‹#›</a:t>
             </a:fld>
-            <a:endParaRPr lang="en-US" sz="1200">
+            <a:endParaRPr lang="en-US" sz="1200" dirty="0">
               <a:latin typeface="Comic Sans MS" charset="0"/>
             </a:endParaRPr>
           </a:p>
@@ -3013,7 +3020,22 @@
                 <a:uFillTx/>
                 <a:latin typeface="Comic Sans MS" pitchFamily="66" charset="0"/>
               </a:rPr>
-              <a:t>Albert R Meyer,             April 6, 2012</a:t>
+              <a:t>Albert R Meyer,             April </a:t>
+            </a:r>
+            <a:r>
+              <a:rPr kumimoji="0" lang="en-US" sz="1200" b="0" i="0" u="none" strike="noStrike" kern="1200" cap="none" spc="0" normalizeH="0" baseline="0" noProof="0" dirty="0" smtClean="0">
+                <a:ln>
+                  <a:noFill/>
+                </a:ln>
+                <a:solidFill>
+                  <a:srgbClr val="000000"/>
+                </a:solidFill>
+                <a:effectLst/>
+                <a:uLnTx/>
+                <a:uFillTx/>
+                <a:latin typeface="Comic Sans MS" pitchFamily="66" charset="0"/>
+              </a:rPr>
+              <a:t>10, 2013</a:t>
             </a:r>
             <a:endParaRPr kumimoji="0" lang="en-US" sz="1200" b="0" i="0" u="none" strike="noStrike" kern="1200" cap="none" spc="0" normalizeH="0" baseline="0" noProof="0" dirty="0">
               <a:ln>
@@ -3630,6 +3652,14 @@
   <p:clrMapOvr>
     <a:masterClrMapping/>
   </p:clrMapOvr>
+  <mc:AlternateContent xmlns:mc="http://schemas.openxmlformats.org/markup-compatibility/2006">
+    <mc:Choice xmlns:p14="http://schemas.microsoft.com/office/powerpoint/2010/main" Requires="p14">
+      <p:transition spd="slow" p14:dur="2000" advClick="0"/>
+    </mc:Choice>
+    <mc:Fallback>
+      <p:transition xmlns:p14="http://schemas.microsoft.com/office/powerpoint/2010/main" spd="slow" advClick="0"/>
+    </mc:Fallback>
+  </mc:AlternateContent>
   <p:timing>
     <p:tnLst>
       <p:par>
@@ -3811,14 +3841,14 @@
   <p:clrMapOvr>
     <a:masterClrMapping/>
   </p:clrMapOvr>
-  <mc:AlternateContent xmlns:mc="http://schemas.openxmlformats.org/markup-compatibility/2006" xmlns:p14="http://schemas.microsoft.com/office/powerpoint/2010/main">
-    <mc:Choice Requires="p14">
-      <p:transition spd="med" p14:dur="700">
+  <mc:AlternateContent xmlns:mc="http://schemas.openxmlformats.org/markup-compatibility/2006">
+    <mc:Choice xmlns:p14="http://schemas.microsoft.com/office/powerpoint/2010/main" Requires="p14">
+      <p:transition spd="med" p14:dur="700" advClick="0">
         <p:fade/>
       </p:transition>
     </mc:Choice>
-    <mc:Fallback xmlns="">
-      <p:transition xmlns:p14="http://schemas.microsoft.com/office/powerpoint/2010/main" spd="med">
+    <mc:Fallback>
+      <p:transition xmlns:p14="http://schemas.microsoft.com/office/powerpoint/2010/main" spd="med" advClick="0">
         <p:fade/>
       </p:transition>
     </mc:Fallback>
@@ -3997,10 +4027,14 @@
   </p:clrMapOvr>
   <mc:AlternateContent xmlns:mc="http://schemas.openxmlformats.org/markup-compatibility/2006">
     <mc:Choice xmlns:p14="http://schemas.microsoft.com/office/powerpoint/2010/main" Requires="p14">
-      <p:transition p14:dur="0"/>
+      <p:transition spd="med" p14:dur="700">
+        <p:fade/>
+      </p:transition>
     </mc:Choice>
     <mc:Fallback>
-      <p:transition xmlns:p14="http://schemas.microsoft.com/office/powerpoint/2010/main"/>
+      <p:transition xmlns:p14="http://schemas.microsoft.com/office/powerpoint/2010/main" spd="med">
+        <p:fade/>
+      </p:transition>
     </mc:Fallback>
   </mc:AlternateContent>
   <p:timing>
@@ -4133,14 +4167,14 @@
   <p:clrMapOvr>
     <a:masterClrMapping/>
   </p:clrMapOvr>
-  <mc:AlternateContent xmlns:mc="http://schemas.openxmlformats.org/markup-compatibility/2006" xmlns:p14="http://schemas.microsoft.com/office/powerpoint/2010/main">
-    <mc:Choice Requires="p14">
-      <p:transition spd="med" p14:dur="700">
+  <mc:AlternateContent xmlns:mc="http://schemas.openxmlformats.org/markup-compatibility/2006">
+    <mc:Choice xmlns:p14="http://schemas.microsoft.com/office/powerpoint/2010/main" Requires="p14">
+      <p:transition spd="med" p14:dur="700" advClick="0">
         <p:fade/>
       </p:transition>
     </mc:Choice>
-    <mc:Fallback xmlns="">
-      <p:transition xmlns:p14="http://schemas.microsoft.com/office/powerpoint/2010/main" spd="med">
+    <mc:Fallback>
+      <p:transition xmlns:p14="http://schemas.microsoft.com/office/powerpoint/2010/main" spd="med" advClick="0">
         <p:fade/>
       </p:transition>
     </mc:Fallback>
@@ -4837,7 +4871,7 @@
           <a:graphicData uri="http://schemas.openxmlformats.org/presentationml/2006/ole">
             <mc:AlternateContent xmlns:mc="http://schemas.openxmlformats.org/markup-compatibility/2006">
               <mc:Choice xmlns:v="urn:schemas-microsoft-com:vml" Requires="v">
-                <p:oleObj spid="_x0000_s94268" name="Equation" r:id="rId4" imgW="1016000" imgH="495300" progId="Equation.DSMT4">
+                <p:oleObj spid="_x0000_s94271" name="Equation" r:id="rId4" imgW="1016000" imgH="495300" progId="Equation.DSMT4">
                   <p:embed/>
                 </p:oleObj>
               </mc:Choice>
@@ -6127,7 +6161,7 @@
           <a:graphicData uri="http://schemas.openxmlformats.org/presentationml/2006/ole">
             <mc:AlternateContent xmlns:mc="http://schemas.openxmlformats.org/markup-compatibility/2006">
               <mc:Choice xmlns:v="urn:schemas-microsoft-com:vml" Requires="v">
-                <p:oleObj spid="_x0000_s1040" name="Equation" r:id="rId4" imgW="1536700" imgH="457200" progId="Equation.DSMT4">
+                <p:oleObj spid="_x0000_s1043" name="Equation" r:id="rId4" imgW="1536700" imgH="457200" progId="Equation.DSMT4">
                   <p:embed/>
                 </p:oleObj>
               </mc:Choice>
@@ -6235,7 +6269,7 @@
                             </p:stCondLst>
                             <p:childTnLst>
                               <p:par>
-                                <p:cTn id="5" presetID="22" presetClass="entr" presetSubtype="8" fill="hold" grpId="0" nodeType="withEffect">
+                                <p:cTn id="5" presetID="22" presetClass="entr" presetSubtype="8" fill="hold" grpId="0" nodeType="afterEffect">
                                   <p:stCondLst>
                                     <p:cond delay="0"/>
                                   </p:stCondLst>
@@ -6844,7 +6878,7 @@
           <a:graphicData uri="http://schemas.openxmlformats.org/presentationml/2006/ole">
             <mc:AlternateContent xmlns:mc="http://schemas.openxmlformats.org/markup-compatibility/2006">
               <mc:Choice xmlns:v="urn:schemas-microsoft-com:vml" Requires="v">
-                <p:oleObj spid="_x0000_s96319" name="Equation" r:id="rId3" imgW="2222500" imgH="482600" progId="Equation.DSMT4">
+                <p:oleObj spid="_x0000_s96330" name="Equation" r:id="rId3" imgW="2222500" imgH="482600" progId="Equation.DSMT4">
                   <p:embed/>
                 </p:oleObj>
               </mc:Choice>
@@ -6924,7 +6958,7 @@
           <a:graphicData uri="http://schemas.openxmlformats.org/presentationml/2006/ole">
             <mc:AlternateContent xmlns:mc="http://schemas.openxmlformats.org/markup-compatibility/2006">
               <mc:Choice xmlns:v="urn:schemas-microsoft-com:vml" Requires="v">
-                <p:oleObj spid="_x0000_s96320" name="Equation" r:id="rId5" imgW="965200" imgH="495300" progId="Equation.DSMT4">
+                <p:oleObj spid="_x0000_s96331" name="Equation" r:id="rId5" imgW="965200" imgH="495300" progId="Equation.DSMT4">
                   <p:embed/>
                 </p:oleObj>
               </mc:Choice>
@@ -7019,7 +7053,7 @@
           <a:graphicData uri="http://schemas.openxmlformats.org/presentationml/2006/ole">
             <mc:AlternateContent xmlns:mc="http://schemas.openxmlformats.org/markup-compatibility/2006">
               <mc:Choice xmlns:v="urn:schemas-microsoft-com:vml" Requires="v">
-                <p:oleObj spid="_x0000_s96321" name="Equation" r:id="rId7" imgW="1536700" imgH="457200" progId="Equation.DSMT4">
+                <p:oleObj spid="_x0000_s96332" name="Equation" r:id="rId7" imgW="1536700" imgH="457200" progId="Equation.DSMT4">
                   <p:embed/>
                 </p:oleObj>
               </mc:Choice>
@@ -7076,7 +7110,7 @@
           <a:graphicData uri="http://schemas.openxmlformats.org/presentationml/2006/ole">
             <mc:AlternateContent xmlns:mc="http://schemas.openxmlformats.org/markup-compatibility/2006">
               <mc:Choice xmlns:v="urn:schemas-microsoft-com:vml" Requires="v">
-                <p:oleObj spid="_x0000_s96322" name="Equation" r:id="rId9" imgW="139700" imgH="215900" progId="Equation.DSMT4">
+                <p:oleObj spid="_x0000_s96333" name="Equation" r:id="rId9" imgW="139700" imgH="215900" progId="Equation.DSMT4">
                   <p:embed/>
                 </p:oleObj>
               </mc:Choice>
@@ -7133,7 +7167,7 @@
           <a:graphicData uri="http://schemas.openxmlformats.org/presentationml/2006/ole">
             <mc:AlternateContent xmlns:mc="http://schemas.openxmlformats.org/markup-compatibility/2006">
               <mc:Choice xmlns:v="urn:schemas-microsoft-com:vml" Requires="v">
-                <p:oleObj spid="_x0000_s96323" name="Equation" r:id="rId11" imgW="2044700" imgH="533400" progId="Equation.DSMT4">
+                <p:oleObj spid="_x0000_s96334" name="Equation" r:id="rId11" imgW="2044700" imgH="533400" progId="Equation.DSMT4">
                   <p:embed/>
                 </p:oleObj>
               </mc:Choice>
@@ -7178,13 +7212,13 @@
   <p:clrMapOvr>
     <a:masterClrMapping/>
   </p:clrMapOvr>
-  <mc:AlternateContent xmlns:mc="http://schemas.openxmlformats.org/markup-compatibility/2006">
-    <mc:Choice xmlns:p14="http://schemas.microsoft.com/office/powerpoint/2010/main" Requires="p14">
+  <mc:AlternateContent xmlns:mc="http://schemas.openxmlformats.org/markup-compatibility/2006" xmlns:p14="http://schemas.microsoft.com/office/powerpoint/2010/main">
+    <mc:Choice Requires="p14">
       <p:transition spd="med" p14:dur="700">
         <p:fade/>
       </p:transition>
     </mc:Choice>
-    <mc:Fallback>
+    <mc:Fallback xmlns="">
       <p:transition xmlns:p14="http://schemas.microsoft.com/office/powerpoint/2010/main" spd="med">
         <p:fade/>
       </p:transition>
@@ -7795,12 +7829,6 @@
                 </a:rPr>
                 <a:t>1+n)</a:t>
               </a:r>
-              <a:endParaRPr lang="en-US" sz="6000" dirty="0">
-                <a:solidFill>
-                  <a:srgbClr val="3333FF"/>
-                </a:solidFill>
-                <a:latin typeface="Comic Sans MS" charset="0"/>
-              </a:endParaRPr>
             </a:p>
             <a:p>
               <a:r>
@@ -7889,13 +7917,13 @@
   <p:clrMapOvr>
     <a:masterClrMapping/>
   </p:clrMapOvr>
-  <mc:AlternateContent xmlns:mc="http://schemas.openxmlformats.org/markup-compatibility/2006">
-    <mc:Choice xmlns:p14="http://schemas.microsoft.com/office/powerpoint/2010/main" Requires="p14">
+  <mc:AlternateContent xmlns:mc="http://schemas.openxmlformats.org/markup-compatibility/2006" xmlns:p14="http://schemas.microsoft.com/office/powerpoint/2010/main">
+    <mc:Choice Requires="p14">
       <p:transition spd="slow" p14:dur="800">
         <p:fade thruBlk="1"/>
       </p:transition>
     </mc:Choice>
-    <mc:Fallback>
+    <mc:Fallback xmlns="">
       <p:transition xmlns:p14="http://schemas.microsoft.com/office/powerpoint/2010/main" spd="slow">
         <p:fade thruBlk="1"/>
       </p:transition>
